--- a/public/img/jsp2_4.pptx
+++ b/public/img/jsp2_4.pptx
@@ -6,32 +6,25 @@
   </p:sldMasterIdLst>
   <p:sldIdLst>
     <p:sldId id="256" r:id="rId2"/>
-    <p:sldId id="257" r:id="rId3"/>
-    <p:sldId id="258" r:id="rId4"/>
-    <p:sldId id="259" r:id="rId5"/>
-    <p:sldId id="260" r:id="rId6"/>
-    <p:sldId id="261" r:id="rId7"/>
-    <p:sldId id="262" r:id="rId8"/>
-    <p:sldId id="263" r:id="rId9"/>
-    <p:sldId id="264" r:id="rId10"/>
-    <p:sldId id="265" r:id="rId11"/>
-    <p:sldId id="266" r:id="rId12"/>
-    <p:sldId id="267" r:id="rId13"/>
-    <p:sldId id="268" r:id="rId14"/>
-    <p:sldId id="269" r:id="rId15"/>
-    <p:sldId id="270" r:id="rId16"/>
-    <p:sldId id="271" r:id="rId17"/>
-    <p:sldId id="272" r:id="rId18"/>
-    <p:sldId id="273" r:id="rId19"/>
-    <p:sldId id="274" r:id="rId20"/>
-    <p:sldId id="275" r:id="rId21"/>
-    <p:sldId id="276" r:id="rId22"/>
-    <p:sldId id="277" r:id="rId23"/>
-    <p:sldId id="278" r:id="rId24"/>
-    <p:sldId id="279" r:id="rId25"/>
-    <p:sldId id="280" r:id="rId26"/>
-    <p:sldId id="281" r:id="rId27"/>
-    <p:sldId id="282" r:id="rId28"/>
+    <p:sldId id="283" r:id="rId3"/>
+    <p:sldId id="284" r:id="rId4"/>
+    <p:sldId id="286" r:id="rId5"/>
+    <p:sldId id="285" r:id="rId6"/>
+    <p:sldId id="287" r:id="rId7"/>
+    <p:sldId id="288" r:id="rId8"/>
+    <p:sldId id="289" r:id="rId9"/>
+    <p:sldId id="290" r:id="rId10"/>
+    <p:sldId id="274" r:id="rId11"/>
+    <p:sldId id="275" r:id="rId12"/>
+    <p:sldId id="276" r:id="rId13"/>
+    <p:sldId id="277" r:id="rId14"/>
+    <p:sldId id="278" r:id="rId15"/>
+    <p:sldId id="279" r:id="rId16"/>
+    <p:sldId id="280" r:id="rId17"/>
+    <p:sldId id="281" r:id="rId18"/>
+    <p:sldId id="282" r:id="rId19"/>
+    <p:sldId id="297" r:id="rId20"/>
+    <p:sldId id="295" r:id="rId21"/>
   </p:sldIdLst>
   <p:sldSz cx="12192000" cy="6858000"/>
   <p:notesSz cx="6858000" cy="9144000"/>
@@ -269,7 +262,7 @@
           <a:p>
             <a:fld id="{BB80B3CB-E7A2-4B98-AC29-8E532AFB777C}" type="datetimeFigureOut">
               <a:rPr lang="ko-KR" altLang="en-US" smtClean="0"/>
-              <a:t>2021-05-18</a:t>
+              <a:t>2021-05-19</a:t>
             </a:fld>
             <a:endParaRPr lang="ko-KR" altLang="en-US"/>
           </a:p>
@@ -439,7 +432,7 @@
           <a:p>
             <a:fld id="{BB80B3CB-E7A2-4B98-AC29-8E532AFB777C}" type="datetimeFigureOut">
               <a:rPr lang="ko-KR" altLang="en-US" smtClean="0"/>
-              <a:t>2021-05-18</a:t>
+              <a:t>2021-05-19</a:t>
             </a:fld>
             <a:endParaRPr lang="ko-KR" altLang="en-US"/>
           </a:p>
@@ -619,7 +612,7 @@
           <a:p>
             <a:fld id="{BB80B3CB-E7A2-4B98-AC29-8E532AFB777C}" type="datetimeFigureOut">
               <a:rPr lang="ko-KR" altLang="en-US" smtClean="0"/>
-              <a:t>2021-05-18</a:t>
+              <a:t>2021-05-19</a:t>
             </a:fld>
             <a:endParaRPr lang="ko-KR" altLang="en-US"/>
           </a:p>
@@ -789,7 +782,7 @@
           <a:p>
             <a:fld id="{BB80B3CB-E7A2-4B98-AC29-8E532AFB777C}" type="datetimeFigureOut">
               <a:rPr lang="ko-KR" altLang="en-US" smtClean="0"/>
-              <a:t>2021-05-18</a:t>
+              <a:t>2021-05-19</a:t>
             </a:fld>
             <a:endParaRPr lang="ko-KR" altLang="en-US"/>
           </a:p>
@@ -1035,7 +1028,7 @@
           <a:p>
             <a:fld id="{BB80B3CB-E7A2-4B98-AC29-8E532AFB777C}" type="datetimeFigureOut">
               <a:rPr lang="ko-KR" altLang="en-US" smtClean="0"/>
-              <a:t>2021-05-18</a:t>
+              <a:t>2021-05-19</a:t>
             </a:fld>
             <a:endParaRPr lang="ko-KR" altLang="en-US"/>
           </a:p>
@@ -1267,7 +1260,7 @@
           <a:p>
             <a:fld id="{BB80B3CB-E7A2-4B98-AC29-8E532AFB777C}" type="datetimeFigureOut">
               <a:rPr lang="ko-KR" altLang="en-US" smtClean="0"/>
-              <a:t>2021-05-18</a:t>
+              <a:t>2021-05-19</a:t>
             </a:fld>
             <a:endParaRPr lang="ko-KR" altLang="en-US"/>
           </a:p>
@@ -1634,7 +1627,7 @@
           <a:p>
             <a:fld id="{BB80B3CB-E7A2-4B98-AC29-8E532AFB777C}" type="datetimeFigureOut">
               <a:rPr lang="ko-KR" altLang="en-US" smtClean="0"/>
-              <a:t>2021-05-18</a:t>
+              <a:t>2021-05-19</a:t>
             </a:fld>
             <a:endParaRPr lang="ko-KR" altLang="en-US"/>
           </a:p>
@@ -1752,7 +1745,7 @@
           <a:p>
             <a:fld id="{BB80B3CB-E7A2-4B98-AC29-8E532AFB777C}" type="datetimeFigureOut">
               <a:rPr lang="ko-KR" altLang="en-US" smtClean="0"/>
-              <a:t>2021-05-18</a:t>
+              <a:t>2021-05-19</a:t>
             </a:fld>
             <a:endParaRPr lang="ko-KR" altLang="en-US"/>
           </a:p>
@@ -1847,7 +1840,7 @@
           <a:p>
             <a:fld id="{BB80B3CB-E7A2-4B98-AC29-8E532AFB777C}" type="datetimeFigureOut">
               <a:rPr lang="ko-KR" altLang="en-US" smtClean="0"/>
-              <a:t>2021-05-18</a:t>
+              <a:t>2021-05-19</a:t>
             </a:fld>
             <a:endParaRPr lang="ko-KR" altLang="en-US"/>
           </a:p>
@@ -2124,7 +2117,7 @@
           <a:p>
             <a:fld id="{BB80B3CB-E7A2-4B98-AC29-8E532AFB777C}" type="datetimeFigureOut">
               <a:rPr lang="ko-KR" altLang="en-US" smtClean="0"/>
-              <a:t>2021-05-18</a:t>
+              <a:t>2021-05-19</a:t>
             </a:fld>
             <a:endParaRPr lang="ko-KR" altLang="en-US"/>
           </a:p>
@@ -2377,7 +2370,7 @@
           <a:p>
             <a:fld id="{BB80B3CB-E7A2-4B98-AC29-8E532AFB777C}" type="datetimeFigureOut">
               <a:rPr lang="ko-KR" altLang="en-US" smtClean="0"/>
-              <a:t>2021-05-18</a:t>
+              <a:t>2021-05-19</a:t>
             </a:fld>
             <a:endParaRPr lang="ko-KR" altLang="en-US"/>
           </a:p>
@@ -2590,7 +2583,7 @@
           <a:p>
             <a:fld id="{BB80B3CB-E7A2-4B98-AC29-8E532AFB777C}" type="datetimeFigureOut">
               <a:rPr lang="ko-KR" altLang="en-US" smtClean="0"/>
-              <a:t>2021-05-18</a:t>
+              <a:t>2021-05-19</a:t>
             </a:fld>
             <a:endParaRPr lang="ko-KR" altLang="en-US"/>
           </a:p>
@@ -2997,22 +2990,21 @@
       </p:grpSpPr>
       <p:pic>
         <p:nvPicPr>
-          <p:cNvPr id="4" name="그림 3"/>
+          <p:cNvPr id="3" name="그림 2"/>
           <p:cNvPicPr>
             <a:picLocks noChangeAspect="1"/>
           </p:cNvPicPr>
           <p:nvPr/>
         </p:nvPicPr>
-        <p:blipFill>
+        <p:blipFill rotWithShape="1">
           <a:blip r:embed="rId2"/>
-          <a:stretch>
-            <a:fillRect/>
-          </a:stretch>
+          <a:srcRect r="58486"/>
+          <a:stretch/>
         </p:blipFill>
         <p:spPr>
           <a:xfrm>
-            <a:off x="351066" y="1238250"/>
-            <a:ext cx="11569472" cy="4262437"/>
+            <a:off x="508488" y="1180398"/>
+            <a:ext cx="9384323" cy="4268602"/>
           </a:xfrm>
           <a:prstGeom prst="rect">
             <a:avLst/>
@@ -3027,8 +3019,8 @@
         </p:nvSpPr>
         <p:spPr>
           <a:xfrm>
-            <a:off x="351066" y="2772696"/>
-            <a:ext cx="11193234" cy="542003"/>
+            <a:off x="508488" y="1180398"/>
+            <a:ext cx="9187962" cy="1696151"/>
           </a:xfrm>
           <a:prstGeom prst="rect">
             <a:avLst/>
@@ -3073,8 +3065,113 @@
         </p:nvCxnSpPr>
         <p:spPr>
           <a:xfrm flipH="1" flipV="1">
-            <a:off x="5200650" y="3067051"/>
+            <a:off x="7829550" y="2600324"/>
             <a:ext cx="1123950" cy="1428749"/>
+          </a:xfrm>
+          <a:prstGeom prst="straightConnector1">
+            <a:avLst/>
+          </a:prstGeom>
+          <a:ln w="76200">
+            <a:solidFill>
+              <a:srgbClr val="FF0000"/>
+            </a:solidFill>
+            <a:tailEnd type="triangle"/>
+          </a:ln>
+        </p:spPr>
+        <p:style>
+          <a:lnRef idx="1">
+            <a:schemeClr val="accent1"/>
+          </a:lnRef>
+          <a:fillRef idx="0">
+            <a:schemeClr val="accent1"/>
+          </a:fillRef>
+          <a:effectRef idx="0">
+            <a:schemeClr val="accent1"/>
+          </a:effectRef>
+          <a:fontRef idx="minor">
+            <a:schemeClr val="tx1"/>
+          </a:fontRef>
+        </p:style>
+      </p:cxnSp>
+      <p:sp>
+        <p:nvSpPr>
+          <p:cNvPr id="7" name="직사각형 6"/>
+          <p:cNvSpPr/>
+          <p:nvPr/>
+        </p:nvSpPr>
+        <p:spPr>
+          <a:xfrm>
+            <a:off x="508488" y="4329111"/>
+            <a:ext cx="9187962" cy="890589"/>
+          </a:xfrm>
+          <a:prstGeom prst="rect">
+            <a:avLst/>
+          </a:prstGeom>
+          <a:noFill/>
+          <a:ln w="76200">
+            <a:solidFill>
+              <a:srgbClr val="FF0000"/>
+            </a:solidFill>
+          </a:ln>
+        </p:spPr>
+        <p:style>
+          <a:lnRef idx="2">
+            <a:schemeClr val="accent1">
+              <a:shade val="50000"/>
+            </a:schemeClr>
+          </a:lnRef>
+          <a:fillRef idx="1">
+            <a:schemeClr val="accent1"/>
+          </a:fillRef>
+          <a:effectRef idx="0">
+            <a:schemeClr val="accent1"/>
+          </a:effectRef>
+          <a:fontRef idx="minor">
+            <a:schemeClr val="lt1"/>
+          </a:fontRef>
+        </p:style>
+        <p:txBody>
+          <a:bodyPr rtlCol="0" anchor="ctr"/>
+          <a:lstStyle/>
+          <a:p>
+            <a:pPr algn="ctr"/>
+            <a:endParaRPr lang="ko-KR" altLang="en-US"/>
+          </a:p>
+        </p:txBody>
+      </p:sp>
+      <p:pic>
+        <p:nvPicPr>
+          <p:cNvPr id="2" name="그림 1"/>
+          <p:cNvPicPr>
+            <a:picLocks noChangeAspect="1"/>
+          </p:cNvPicPr>
+          <p:nvPr/>
+        </p:nvPicPr>
+        <p:blipFill rotWithShape="1">
+          <a:blip r:embed="rId3"/>
+          <a:srcRect l="1" r="42163"/>
+          <a:stretch/>
+        </p:blipFill>
+        <p:spPr>
+          <a:xfrm>
+            <a:off x="508488" y="5642777"/>
+            <a:ext cx="10121412" cy="1101623"/>
+          </a:xfrm>
+          <a:prstGeom prst="rect">
+            <a:avLst/>
+          </a:prstGeom>
+        </p:spPr>
+      </p:pic>
+      <p:cxnSp>
+        <p:nvCxnSpPr>
+          <p:cNvPr id="9" name="직선 화살표 연결선 8"/>
+          <p:cNvCxnSpPr/>
+          <p:nvPr/>
+        </p:nvCxnSpPr>
+        <p:spPr>
+          <a:xfrm>
+            <a:off x="7486650" y="2600324"/>
+            <a:ext cx="146540" cy="3593264"/>
           </a:xfrm>
           <a:prstGeom prst="straightConnector1">
             <a:avLst/>
@@ -3131,49 +3228,61 @@
           <a:chExt cx="0" cy="0"/>
         </a:xfrm>
       </p:grpSpPr>
-      <p:pic>
-        <p:nvPicPr>
-          <p:cNvPr id="2" name="그림 1"/>
-          <p:cNvPicPr>
-            <a:picLocks noChangeAspect="1"/>
-          </p:cNvPicPr>
+      <p:sp>
+        <p:nvSpPr>
+          <p:cNvPr id="6" name="TextBox 5"/>
+          <p:cNvSpPr txBox="1"/>
           <p:nvPr/>
-        </p:nvPicPr>
-        <p:blipFill>
-          <a:blip r:embed="rId2"/>
-          <a:stretch>
-            <a:fillRect/>
-          </a:stretch>
-        </p:blipFill>
-        <p:spPr>
-          <a:xfrm>
-            <a:off x="2400300" y="657225"/>
-            <a:ext cx="7391400" cy="5543550"/>
-          </a:xfrm>
-          <a:prstGeom prst="rect">
-            <a:avLst/>
-          </a:prstGeom>
-        </p:spPr>
-      </p:pic>
-      <p:sp>
-        <p:nvSpPr>
-          <p:cNvPr id="5" name="직사각형 4"/>
-          <p:cNvSpPr/>
-          <p:nvPr/>
-        </p:nvSpPr>
-        <p:spPr>
-          <a:xfrm>
-            <a:off x="7950200" y="5810250"/>
-            <a:ext cx="939800" cy="366712"/>
+        </p:nvSpPr>
+        <p:spPr>
+          <a:xfrm>
+            <a:off x="2971800" y="3181350"/>
+            <a:ext cx="7620000" cy="769441"/>
           </a:xfrm>
           <a:prstGeom prst="rect">
             <a:avLst/>
           </a:prstGeom>
           <a:noFill/>
-          <a:ln w="76200">
-            <a:solidFill>
-              <a:srgbClr val="FF0000"/>
-            </a:solidFill>
+        </p:spPr>
+        <p:txBody>
+          <a:bodyPr wrap="square" rtlCol="0">
+            <a:spAutoFit/>
+          </a:bodyPr>
+          <a:lstStyle/>
+          <a:p>
+            <a:r>
+              <a:rPr lang="ko-KR" altLang="en-US" sz="4400" smtClean="0">
+                <a:solidFill>
+                  <a:srgbClr val="FF0000"/>
+                </a:solidFill>
+              </a:rPr>
+              <a:t>자바 이클립스로 이동</a:t>
+            </a:r>
+            <a:endParaRPr lang="ko-KR" altLang="en-US" sz="4400">
+              <a:solidFill>
+                <a:srgbClr val="FF0000"/>
+              </a:solidFill>
+            </a:endParaRPr>
+          </a:p>
+        </p:txBody>
+      </p:sp>
+      <p:sp>
+        <p:nvSpPr>
+          <p:cNvPr id="7" name="직사각형 6"/>
+          <p:cNvSpPr/>
+          <p:nvPr/>
+        </p:nvSpPr>
+        <p:spPr>
+          <a:xfrm>
+            <a:off x="1390650" y="438150"/>
+            <a:ext cx="10153650" cy="5619750"/>
+          </a:xfrm>
+          <a:prstGeom prst="rect">
+            <a:avLst/>
+          </a:prstGeom>
+          <a:noFill/>
+          <a:ln>
+            <a:noFill/>
           </a:ln>
         </p:spPr>
         <p:style>
@@ -3201,56 +3310,10 @@
           </a:p>
         </p:txBody>
       </p:sp>
-      <p:sp>
-        <p:nvSpPr>
-          <p:cNvPr id="6" name="직사각형 5"/>
-          <p:cNvSpPr/>
-          <p:nvPr/>
-        </p:nvSpPr>
-        <p:spPr>
-          <a:xfrm>
-            <a:off x="5969000" y="2406650"/>
-            <a:ext cx="1981200" cy="366712"/>
-          </a:xfrm>
-          <a:prstGeom prst="rect">
-            <a:avLst/>
-          </a:prstGeom>
-          <a:noFill/>
-          <a:ln w="76200">
-            <a:solidFill>
-              <a:srgbClr val="FF0000"/>
-            </a:solidFill>
-          </a:ln>
-        </p:spPr>
-        <p:style>
-          <a:lnRef idx="2">
-            <a:schemeClr val="accent1">
-              <a:shade val="50000"/>
-            </a:schemeClr>
-          </a:lnRef>
-          <a:fillRef idx="1">
-            <a:schemeClr val="accent1"/>
-          </a:fillRef>
-          <a:effectRef idx="0">
-            <a:schemeClr val="accent1"/>
-          </a:effectRef>
-          <a:fontRef idx="minor">
-            <a:schemeClr val="lt1"/>
-          </a:fontRef>
-        </p:style>
-        <p:txBody>
-          <a:bodyPr rtlCol="0" anchor="ctr"/>
-          <a:lstStyle/>
-          <a:p>
-            <a:pPr algn="ctr"/>
-            <a:endParaRPr lang="ko-KR" altLang="en-US"/>
-          </a:p>
-        </p:txBody>
-      </p:sp>
     </p:spTree>
     <p:extLst>
       <p:ext uri="{BB962C8B-B14F-4D97-AF65-F5344CB8AC3E}">
-        <p14:creationId xmlns:p14="http://schemas.microsoft.com/office/powerpoint/2010/main" val="1829480938"/>
+        <p14:creationId xmlns:p14="http://schemas.microsoft.com/office/powerpoint/2010/main" val="891454097"/>
       </p:ext>
     </p:extLst>
   </p:cSld>
@@ -3261,6 +3324,60 @@
 </file>
 
 <file path=ppt/slides/slide11.xml><?xml version="1.0" encoding="utf-8"?>
+<p:sld xmlns:a="http://schemas.openxmlformats.org/drawingml/2006/main" xmlns:r="http://schemas.openxmlformats.org/officeDocument/2006/relationships" xmlns:p="http://schemas.openxmlformats.org/presentationml/2006/main">
+  <p:cSld>
+    <p:spTree>
+      <p:nvGrpSpPr>
+        <p:cNvPr id="1" name=""/>
+        <p:cNvGrpSpPr/>
+        <p:nvPr/>
+      </p:nvGrpSpPr>
+      <p:grpSpPr>
+        <a:xfrm>
+          <a:off x="0" y="0"/>
+          <a:ext cx="0" cy="0"/>
+          <a:chOff x="0" y="0"/>
+          <a:chExt cx="0" cy="0"/>
+        </a:xfrm>
+      </p:grpSpPr>
+      <p:pic>
+        <p:nvPicPr>
+          <p:cNvPr id="7" name="그림 6"/>
+          <p:cNvPicPr>
+            <a:picLocks noChangeAspect="1"/>
+          </p:cNvPicPr>
+          <p:nvPr/>
+        </p:nvPicPr>
+        <p:blipFill>
+          <a:blip r:embed="rId2"/>
+          <a:stretch>
+            <a:fillRect/>
+          </a:stretch>
+        </p:blipFill>
+        <p:spPr>
+          <a:xfrm>
+            <a:off x="0" y="809624"/>
+            <a:ext cx="11898507" cy="5057775"/>
+          </a:xfrm>
+          <a:prstGeom prst="rect">
+            <a:avLst/>
+          </a:prstGeom>
+        </p:spPr>
+      </p:pic>
+    </p:spTree>
+    <p:extLst>
+      <p:ext uri="{BB962C8B-B14F-4D97-AF65-F5344CB8AC3E}">
+        <p14:creationId xmlns:p14="http://schemas.microsoft.com/office/powerpoint/2010/main" val="1672683348"/>
+      </p:ext>
+    </p:extLst>
+  </p:cSld>
+  <p:clrMapOvr>
+    <a:masterClrMapping/>
+  </p:clrMapOvr>
+</p:sld>
+</file>
+
+<file path=ppt/slides/slide12.xml><?xml version="1.0" encoding="utf-8"?>
 <p:sld xmlns:a="http://schemas.openxmlformats.org/drawingml/2006/main" xmlns:r="http://schemas.openxmlformats.org/officeDocument/2006/relationships" xmlns:p="http://schemas.openxmlformats.org/presentationml/2006/main">
   <p:cSld>
     <p:spTree>
@@ -3293,8 +3410,8 @@
         </p:blipFill>
         <p:spPr>
           <a:xfrm>
-            <a:off x="2405062" y="657225"/>
-            <a:ext cx="7381875" cy="5543550"/>
+            <a:off x="2328409" y="-396603"/>
+            <a:ext cx="7186613" cy="8487047"/>
           </a:xfrm>
           <a:prstGeom prst="rect">
             <a:avLst/>
@@ -3303,14 +3420,14 @@
       </p:pic>
       <p:sp>
         <p:nvSpPr>
-          <p:cNvPr id="5" name="직사각형 4"/>
+          <p:cNvPr id="4" name="직사각형 3"/>
           <p:cNvSpPr/>
           <p:nvPr/>
         </p:nvSpPr>
         <p:spPr>
           <a:xfrm>
-            <a:off x="7950200" y="5810250"/>
-            <a:ext cx="939800" cy="366712"/>
+            <a:off x="3738109" y="2305050"/>
+            <a:ext cx="1252991" cy="1009650"/>
           </a:xfrm>
           <a:prstGeom prst="rect">
             <a:avLst/>
@@ -3347,60 +3464,6 @@
           </a:p>
         </p:txBody>
       </p:sp>
-    </p:spTree>
-    <p:extLst>
-      <p:ext uri="{BB962C8B-B14F-4D97-AF65-F5344CB8AC3E}">
-        <p14:creationId xmlns:p14="http://schemas.microsoft.com/office/powerpoint/2010/main" val="2208504981"/>
-      </p:ext>
-    </p:extLst>
-  </p:cSld>
-  <p:clrMapOvr>
-    <a:masterClrMapping/>
-  </p:clrMapOvr>
-</p:sld>
-</file>
-
-<file path=ppt/slides/slide12.xml><?xml version="1.0" encoding="utf-8"?>
-<p:sld xmlns:a="http://schemas.openxmlformats.org/drawingml/2006/main" xmlns:r="http://schemas.openxmlformats.org/officeDocument/2006/relationships" xmlns:p="http://schemas.openxmlformats.org/presentationml/2006/main">
-  <p:cSld>
-    <p:spTree>
-      <p:nvGrpSpPr>
-        <p:cNvPr id="1" name=""/>
-        <p:cNvGrpSpPr/>
-        <p:nvPr/>
-      </p:nvGrpSpPr>
-      <p:grpSpPr>
-        <a:xfrm>
-          <a:off x="0" y="0"/>
-          <a:ext cx="0" cy="0"/>
-          <a:chOff x="0" y="0"/>
-          <a:chExt cx="0" cy="0"/>
-        </a:xfrm>
-      </p:grpSpPr>
-      <p:pic>
-        <p:nvPicPr>
-          <p:cNvPr id="4" name="그림 3"/>
-          <p:cNvPicPr>
-            <a:picLocks noChangeAspect="1"/>
-          </p:cNvPicPr>
-          <p:nvPr/>
-        </p:nvPicPr>
-        <p:blipFill>
-          <a:blip r:embed="rId2"/>
-          <a:stretch>
-            <a:fillRect/>
-          </a:stretch>
-        </p:blipFill>
-        <p:spPr>
-          <a:xfrm>
-            <a:off x="2162175" y="557212"/>
-            <a:ext cx="7410450" cy="5619750"/>
-          </a:xfrm>
-          <a:prstGeom prst="rect">
-            <a:avLst/>
-          </a:prstGeom>
-        </p:spPr>
-      </p:pic>
       <p:sp>
         <p:nvSpPr>
           <p:cNvPr id="5" name="직사각형 4"/>
@@ -3409,8 +3472,8 @@
         </p:nvSpPr>
         <p:spPr>
           <a:xfrm>
-            <a:off x="4508500" y="4203700"/>
-            <a:ext cx="2451100" cy="977900"/>
+            <a:off x="3738108" y="5105896"/>
+            <a:ext cx="3253241" cy="596676"/>
           </a:xfrm>
           <a:prstGeom prst="rect">
             <a:avLst/>
@@ -3449,14 +3512,52 @@
       </p:sp>
       <p:sp>
         <p:nvSpPr>
-          <p:cNvPr id="6" name="직사각형 5"/>
+          <p:cNvPr id="7" name="TextBox 6"/>
+          <p:cNvSpPr txBox="1"/>
+          <p:nvPr/>
+        </p:nvSpPr>
+        <p:spPr>
+          <a:xfrm>
+            <a:off x="5419725" y="2305050"/>
+            <a:ext cx="3666672" cy="584775"/>
+          </a:xfrm>
+          <a:prstGeom prst="rect">
+            <a:avLst/>
+          </a:prstGeom>
+          <a:noFill/>
+        </p:spPr>
+        <p:txBody>
+          <a:bodyPr wrap="square" rtlCol="0">
+            <a:spAutoFit/>
+          </a:bodyPr>
+          <a:lstStyle/>
+          <a:p>
+            <a:r>
+              <a:rPr lang="ko-KR" altLang="en-US" sz="3200" smtClean="0">
+                <a:solidFill>
+                  <a:srgbClr val="FF0000"/>
+                </a:solidFill>
+              </a:rPr>
+              <a:t>대문자로 시작</a:t>
+            </a:r>
+            <a:endParaRPr lang="ko-KR" altLang="en-US" sz="3200">
+              <a:solidFill>
+                <a:srgbClr val="FF0000"/>
+              </a:solidFill>
+            </a:endParaRPr>
+          </a:p>
+        </p:txBody>
+      </p:sp>
+      <p:sp>
+        <p:nvSpPr>
+          <p:cNvPr id="9" name="직사각형 8"/>
           <p:cNvSpPr/>
           <p:nvPr/>
         </p:nvSpPr>
         <p:spPr>
           <a:xfrm>
-            <a:off x="7708900" y="5715000"/>
-            <a:ext cx="990600" cy="444500"/>
+            <a:off x="6591300" y="7493768"/>
+            <a:ext cx="1653041" cy="596676"/>
           </a:xfrm>
           <a:prstGeom prst="rect">
             <a:avLst/>
@@ -3493,86 +3594,10 @@
           </a:p>
         </p:txBody>
       </p:sp>
-      <p:sp>
-        <p:nvSpPr>
-          <p:cNvPr id="7" name="TextBox 6"/>
-          <p:cNvSpPr txBox="1"/>
-          <p:nvPr/>
-        </p:nvSpPr>
-        <p:spPr>
-          <a:xfrm>
-            <a:off x="7353300" y="4812268"/>
-            <a:ext cx="2473325" cy="369332"/>
-          </a:xfrm>
-          <a:prstGeom prst="rect">
-            <a:avLst/>
-          </a:prstGeom>
-          <a:noFill/>
-        </p:spPr>
-        <p:txBody>
-          <a:bodyPr wrap="square" rtlCol="0">
-            <a:spAutoFit/>
-          </a:bodyPr>
-          <a:lstStyle/>
-          <a:p>
-            <a:r>
-              <a:rPr lang="ko-KR" altLang="en-US" smtClean="0">
-                <a:solidFill>
-                  <a:srgbClr val="FF0000"/>
-                </a:solidFill>
-              </a:rPr>
-              <a:t>아까 입력한 비밀번호</a:t>
-            </a:r>
-            <a:endParaRPr lang="ko-KR" altLang="en-US">
-              <a:solidFill>
-                <a:srgbClr val="FF0000"/>
-              </a:solidFill>
-            </a:endParaRPr>
-          </a:p>
-        </p:txBody>
-      </p:sp>
-      <p:cxnSp>
-        <p:nvCxnSpPr>
-          <p:cNvPr id="9" name="직선 화살표 연결선 8"/>
-          <p:cNvCxnSpPr>
-            <a:stCxn id="7" idx="1"/>
-          </p:cNvCxnSpPr>
-          <p:nvPr/>
-        </p:nvCxnSpPr>
-        <p:spPr>
-          <a:xfrm flipH="1" flipV="1">
-            <a:off x="6311900" y="4692650"/>
-            <a:ext cx="1041400" cy="304284"/>
-          </a:xfrm>
-          <a:prstGeom prst="straightConnector1">
-            <a:avLst/>
-          </a:prstGeom>
-          <a:ln w="57150">
-            <a:solidFill>
-              <a:srgbClr val="FF0000"/>
-            </a:solidFill>
-            <a:tailEnd type="triangle"/>
-          </a:ln>
-        </p:spPr>
-        <p:style>
-          <a:lnRef idx="1">
-            <a:schemeClr val="accent1"/>
-          </a:lnRef>
-          <a:fillRef idx="0">
-            <a:schemeClr val="accent1"/>
-          </a:fillRef>
-          <a:effectRef idx="0">
-            <a:schemeClr val="accent1"/>
-          </a:effectRef>
-          <a:fontRef idx="minor">
-            <a:schemeClr val="tx1"/>
-          </a:fontRef>
-        </p:style>
-      </p:cxnSp>
     </p:spTree>
     <p:extLst>
       <p:ext uri="{BB962C8B-B14F-4D97-AF65-F5344CB8AC3E}">
-        <p14:creationId xmlns:p14="http://schemas.microsoft.com/office/powerpoint/2010/main" val="3040882519"/>
+        <p14:creationId xmlns:p14="http://schemas.microsoft.com/office/powerpoint/2010/main" val="2685365071"/>
       </p:ext>
     </p:extLst>
   </p:cSld>
@@ -3607,72 +3632,25 @@
           </p:cNvPicPr>
           <p:nvPr/>
         </p:nvPicPr>
-        <p:blipFill>
+        <p:blipFill rotWithShape="1">
           <a:blip r:embed="rId2"/>
-          <a:stretch>
-            <a:fillRect/>
-          </a:stretch>
+          <a:srcRect b="48857"/>
+          <a:stretch/>
         </p:blipFill>
         <p:spPr>
           <a:xfrm>
-            <a:off x="2400300" y="633412"/>
-            <a:ext cx="7391400" cy="5591175"/>
+            <a:off x="1119187" y="704850"/>
+            <a:ext cx="9753972" cy="5314950"/>
           </a:xfrm>
           <a:prstGeom prst="rect">
             <a:avLst/>
           </a:prstGeom>
         </p:spPr>
       </p:pic>
-      <p:sp>
-        <p:nvSpPr>
-          <p:cNvPr id="6" name="직사각형 5"/>
-          <p:cNvSpPr/>
-          <p:nvPr/>
-        </p:nvSpPr>
-        <p:spPr>
-          <a:xfrm>
-            <a:off x="8818563" y="5780087"/>
-            <a:ext cx="990600" cy="444500"/>
-          </a:xfrm>
-          <a:prstGeom prst="rect">
-            <a:avLst/>
-          </a:prstGeom>
-          <a:noFill/>
-          <a:ln w="76200">
-            <a:solidFill>
-              <a:srgbClr val="FF0000"/>
-            </a:solidFill>
-          </a:ln>
-        </p:spPr>
-        <p:style>
-          <a:lnRef idx="2">
-            <a:schemeClr val="accent1">
-              <a:shade val="50000"/>
-            </a:schemeClr>
-          </a:lnRef>
-          <a:fillRef idx="1">
-            <a:schemeClr val="accent1"/>
-          </a:fillRef>
-          <a:effectRef idx="0">
-            <a:schemeClr val="accent1"/>
-          </a:effectRef>
-          <a:fontRef idx="minor">
-            <a:schemeClr val="lt1"/>
-          </a:fontRef>
-        </p:style>
-        <p:txBody>
-          <a:bodyPr rtlCol="0" anchor="ctr"/>
-          <a:lstStyle/>
-          <a:p>
-            <a:pPr algn="ctr"/>
-            <a:endParaRPr lang="ko-KR" altLang="en-US"/>
-          </a:p>
-        </p:txBody>
-      </p:sp>
     </p:spTree>
     <p:extLst>
       <p:ext uri="{BB962C8B-B14F-4D97-AF65-F5344CB8AC3E}">
-        <p14:creationId xmlns:p14="http://schemas.microsoft.com/office/powerpoint/2010/main" val="4254545313"/>
+        <p14:creationId xmlns:p14="http://schemas.microsoft.com/office/powerpoint/2010/main" val="3497424923"/>
       </p:ext>
     </p:extLst>
   </p:cSld>
@@ -3715,8 +3693,8 @@
         </p:blipFill>
         <p:spPr>
           <a:xfrm>
-            <a:off x="2077154" y="723900"/>
-            <a:ext cx="7970133" cy="5443537"/>
+            <a:off x="449171" y="438150"/>
+            <a:ext cx="11209429" cy="5157787"/>
           </a:xfrm>
           <a:prstGeom prst="rect">
             <a:avLst/>
@@ -3725,86 +3703,14 @@
       </p:pic>
       <p:sp>
         <p:nvSpPr>
-          <p:cNvPr id="4" name="TextBox 3"/>
-          <p:cNvSpPr txBox="1"/>
-          <p:nvPr/>
-        </p:nvSpPr>
-        <p:spPr>
-          <a:xfrm>
-            <a:off x="4991100" y="4216400"/>
-            <a:ext cx="4216400" cy="646331"/>
-          </a:xfrm>
-          <a:prstGeom prst="rect">
-            <a:avLst/>
-          </a:prstGeom>
-          <a:noFill/>
-        </p:spPr>
-        <p:txBody>
-          <a:bodyPr wrap="square" rtlCol="0">
-            <a:spAutoFit/>
-          </a:bodyPr>
-          <a:lstStyle/>
-          <a:p>
-            <a:r>
-              <a:rPr lang="en-US" altLang="ko-KR" smtClean="0">
-                <a:solidFill>
-                  <a:srgbClr val="FF0000"/>
-                </a:solidFill>
-              </a:rPr>
-              <a:t>MySQL Workbench </a:t>
-            </a:r>
-            <a:r>
-              <a:rPr lang="ko-KR" altLang="en-US" smtClean="0">
-                <a:solidFill>
-                  <a:srgbClr val="FF0000"/>
-                </a:solidFill>
-              </a:rPr>
-              <a:t>실행</a:t>
-            </a:r>
-            <a:endParaRPr lang="en-US" altLang="ko-KR" smtClean="0">
-              <a:solidFill>
-                <a:srgbClr val="FF0000"/>
-              </a:solidFill>
-            </a:endParaRPr>
-          </a:p>
-          <a:p>
-            <a:r>
-              <a:rPr lang="en-US" altLang="ko-KR" smtClean="0">
-                <a:solidFill>
-                  <a:srgbClr val="FF0000"/>
-                </a:solidFill>
-              </a:rPr>
-              <a:t>(</a:t>
-            </a:r>
-            <a:r>
-              <a:rPr lang="ko-KR" altLang="en-US" smtClean="0">
-                <a:solidFill>
-                  <a:srgbClr val="FF0000"/>
-                </a:solidFill>
-              </a:rPr>
-              <a:t>설치 후 체크되있으면 자동 실행</a:t>
-            </a:r>
-            <a:r>
-              <a:rPr lang="en-US" altLang="ko-KR" smtClean="0">
-                <a:solidFill>
-                  <a:srgbClr val="FF0000"/>
-                </a:solidFill>
-              </a:rPr>
-              <a:t>)</a:t>
-            </a:r>
-          </a:p>
-        </p:txBody>
-      </p:sp>
-      <p:sp>
-        <p:nvSpPr>
-          <p:cNvPr id="7" name="직사각형 6"/>
+          <p:cNvPr id="5" name="직사각형 4"/>
           <p:cNvSpPr/>
           <p:nvPr/>
         </p:nvSpPr>
         <p:spPr>
           <a:xfrm>
-            <a:off x="2747962" y="3994149"/>
-            <a:ext cx="1912937" cy="868581"/>
+            <a:off x="4396535" y="1053876"/>
+            <a:ext cx="1524000" cy="723900"/>
           </a:xfrm>
           <a:prstGeom prst="rect">
             <a:avLst/>
@@ -3841,10 +3747,56 @@
           </a:p>
         </p:txBody>
       </p:sp>
+      <p:sp>
+        <p:nvSpPr>
+          <p:cNvPr id="6" name="직사각형 5"/>
+          <p:cNvSpPr/>
+          <p:nvPr/>
+        </p:nvSpPr>
+        <p:spPr>
+          <a:xfrm>
+            <a:off x="9620249" y="2171700"/>
+            <a:ext cx="2038351" cy="419100"/>
+          </a:xfrm>
+          <a:prstGeom prst="rect">
+            <a:avLst/>
+          </a:prstGeom>
+          <a:noFill/>
+          <a:ln w="76200">
+            <a:solidFill>
+              <a:srgbClr val="FF0000"/>
+            </a:solidFill>
+          </a:ln>
+        </p:spPr>
+        <p:style>
+          <a:lnRef idx="2">
+            <a:schemeClr val="accent1">
+              <a:shade val="50000"/>
+            </a:schemeClr>
+          </a:lnRef>
+          <a:fillRef idx="1">
+            <a:schemeClr val="accent1"/>
+          </a:fillRef>
+          <a:effectRef idx="0">
+            <a:schemeClr val="accent1"/>
+          </a:effectRef>
+          <a:fontRef idx="minor">
+            <a:schemeClr val="lt1"/>
+          </a:fontRef>
+        </p:style>
+        <p:txBody>
+          <a:bodyPr rtlCol="0" anchor="ctr"/>
+          <a:lstStyle/>
+          <a:p>
+            <a:pPr algn="ctr"/>
+            <a:endParaRPr lang="ko-KR" altLang="en-US"/>
+          </a:p>
+        </p:txBody>
+      </p:sp>
     </p:spTree>
     <p:extLst>
       <p:ext uri="{BB962C8B-B14F-4D97-AF65-F5344CB8AC3E}">
-        <p14:creationId xmlns:p14="http://schemas.microsoft.com/office/powerpoint/2010/main" val="2366841921"/>
+        <p14:creationId xmlns:p14="http://schemas.microsoft.com/office/powerpoint/2010/main" val="1188536853"/>
       </p:ext>
     </p:extLst>
   </p:cSld>
@@ -3873,22 +3825,21 @@
       </p:grpSpPr>
       <p:pic>
         <p:nvPicPr>
-          <p:cNvPr id="4" name="그림 3"/>
+          <p:cNvPr id="6" name="그림 5"/>
           <p:cNvPicPr>
             <a:picLocks noChangeAspect="1"/>
           </p:cNvPicPr>
           <p:nvPr/>
         </p:nvPicPr>
-        <p:blipFill>
+        <p:blipFill rotWithShape="1">
           <a:blip r:embed="rId2"/>
-          <a:stretch>
-            <a:fillRect/>
-          </a:stretch>
+          <a:srcRect r="58486"/>
+          <a:stretch/>
         </p:blipFill>
         <p:spPr>
           <a:xfrm>
-            <a:off x="1319212" y="1228725"/>
-            <a:ext cx="9553575" cy="4400550"/>
+            <a:off x="744040" y="186015"/>
+            <a:ext cx="9384323" cy="4268602"/>
           </a:xfrm>
           <a:prstGeom prst="rect">
             <a:avLst/>
@@ -3897,14 +3848,14 @@
       </p:pic>
       <p:sp>
         <p:nvSpPr>
-          <p:cNvPr id="6" name="직사각형 5"/>
+          <p:cNvPr id="7" name="직사각형 6"/>
           <p:cNvSpPr/>
           <p:nvPr/>
         </p:nvSpPr>
         <p:spPr>
           <a:xfrm>
-            <a:off x="4303712" y="2254250"/>
-            <a:ext cx="4224337" cy="2349500"/>
+            <a:off x="744040" y="186015"/>
+            <a:ext cx="9187962" cy="976035"/>
           </a:xfrm>
           <a:prstGeom prst="rect">
             <a:avLst/>
@@ -3944,7 +3895,7 @@
     </p:spTree>
     <p:extLst>
       <p:ext uri="{BB962C8B-B14F-4D97-AF65-F5344CB8AC3E}">
-        <p14:creationId xmlns:p14="http://schemas.microsoft.com/office/powerpoint/2010/main" val="663446788"/>
+        <p14:creationId xmlns:p14="http://schemas.microsoft.com/office/powerpoint/2010/main" val="3117174484"/>
       </p:ext>
     </p:extLst>
   </p:cSld>
@@ -3973,7 +3924,7 @@
       </p:grpSpPr>
       <p:pic>
         <p:nvPicPr>
-          <p:cNvPr id="5" name="그림 4"/>
+          <p:cNvPr id="2" name="그림 1"/>
           <p:cNvPicPr>
             <a:picLocks noChangeAspect="1"/>
           </p:cNvPicPr>
@@ -3987,18 +3938,289 @@
         </p:blipFill>
         <p:spPr>
           <a:xfrm>
-            <a:off x="1510731" y="671512"/>
-            <a:ext cx="8620125" cy="5514975"/>
+            <a:off x="1062037" y="105165"/>
+            <a:ext cx="9647658" cy="6567488"/>
           </a:xfrm>
           <a:prstGeom prst="rect">
             <a:avLst/>
           </a:prstGeom>
         </p:spPr>
       </p:pic>
+      <p:sp>
+        <p:nvSpPr>
+          <p:cNvPr id="4" name="TextBox 3"/>
+          <p:cNvSpPr txBox="1"/>
+          <p:nvPr/>
+        </p:nvSpPr>
+        <p:spPr>
+          <a:xfrm>
+            <a:off x="6877050" y="4552950"/>
+            <a:ext cx="3985045" cy="1938992"/>
+          </a:xfrm>
+          <a:prstGeom prst="rect">
+            <a:avLst/>
+          </a:prstGeom>
+          <a:noFill/>
+        </p:spPr>
+        <p:txBody>
+          <a:bodyPr wrap="square" rtlCol="0">
+            <a:spAutoFit/>
+          </a:bodyPr>
+          <a:lstStyle/>
+          <a:p>
+            <a:r>
+              <a:rPr lang="ko-KR" altLang="en-US" sz="6000" smtClean="0">
+                <a:solidFill>
+                  <a:srgbClr val="FF0000"/>
+                </a:solidFill>
+              </a:rPr>
+              <a:t>위에 예시 </a:t>
+            </a:r>
+            <a:endParaRPr lang="en-US" altLang="ko-KR" sz="6000" smtClean="0">
+              <a:solidFill>
+                <a:srgbClr val="FF0000"/>
+              </a:solidFill>
+            </a:endParaRPr>
+          </a:p>
+          <a:p>
+            <a:r>
+              <a:rPr lang="ko-KR" altLang="en-US" sz="6000" smtClean="0">
+                <a:solidFill>
+                  <a:srgbClr val="FF0000"/>
+                </a:solidFill>
+              </a:rPr>
+              <a:t>코드 복붙</a:t>
+            </a:r>
+            <a:endParaRPr lang="ko-KR" altLang="en-US" sz="6000">
+              <a:solidFill>
+                <a:srgbClr val="FF0000"/>
+              </a:solidFill>
+            </a:endParaRPr>
+          </a:p>
+        </p:txBody>
+      </p:sp>
+      <p:cxnSp>
+        <p:nvCxnSpPr>
+          <p:cNvPr id="15" name="직선 화살표 연결선 14"/>
+          <p:cNvCxnSpPr/>
+          <p:nvPr/>
+        </p:nvCxnSpPr>
+        <p:spPr>
+          <a:xfrm flipH="1">
+            <a:off x="5734050" y="742950"/>
+            <a:ext cx="1333500" cy="2038350"/>
+          </a:xfrm>
+          <a:prstGeom prst="straightConnector1">
+            <a:avLst/>
+          </a:prstGeom>
+          <a:ln>
+            <a:solidFill>
+              <a:srgbClr val="FF0000"/>
+            </a:solidFill>
+            <a:tailEnd type="triangle"/>
+          </a:ln>
+        </p:spPr>
+        <p:style>
+          <a:lnRef idx="1">
+            <a:schemeClr val="accent1"/>
+          </a:lnRef>
+          <a:fillRef idx="0">
+            <a:schemeClr val="accent1"/>
+          </a:fillRef>
+          <a:effectRef idx="0">
+            <a:schemeClr val="accent1"/>
+          </a:effectRef>
+          <a:fontRef idx="minor">
+            <a:schemeClr val="tx1"/>
+          </a:fontRef>
+        </p:style>
+      </p:cxnSp>
+      <p:sp>
+        <p:nvSpPr>
+          <p:cNvPr id="16" name="TextBox 15"/>
+          <p:cNvSpPr txBox="1"/>
+          <p:nvPr/>
+        </p:nvSpPr>
+        <p:spPr>
+          <a:xfrm>
+            <a:off x="7067549" y="533400"/>
+            <a:ext cx="3642145" cy="1200329"/>
+          </a:xfrm>
+          <a:prstGeom prst="rect">
+            <a:avLst/>
+          </a:prstGeom>
+          <a:noFill/>
+        </p:spPr>
+        <p:txBody>
+          <a:bodyPr wrap="square" rtlCol="0">
+            <a:spAutoFit/>
+          </a:bodyPr>
+          <a:lstStyle/>
+          <a:p>
+            <a:r>
+              <a:rPr lang="ko-KR" altLang="en-US" sz="2400" smtClean="0">
+                <a:solidFill>
+                  <a:srgbClr val="FF0000"/>
+                </a:solidFill>
+              </a:rPr>
+              <a:t>모든 권리를 가지고 있는 </a:t>
+            </a:r>
+            <a:endParaRPr lang="en-US" altLang="ko-KR" sz="2400">
+              <a:solidFill>
+                <a:srgbClr val="FF0000"/>
+              </a:solidFill>
+            </a:endParaRPr>
+          </a:p>
+          <a:p>
+            <a:r>
+              <a:rPr lang="en-US" altLang="ko-KR" sz="2400" smtClean="0">
+                <a:solidFill>
+                  <a:srgbClr val="FF0000"/>
+                </a:solidFill>
+              </a:rPr>
+              <a:t>system </a:t>
+            </a:r>
+            <a:r>
+              <a:rPr lang="ko-KR" altLang="en-US" sz="2400" smtClean="0">
+                <a:solidFill>
+                  <a:srgbClr val="FF0000"/>
+                </a:solidFill>
+              </a:rPr>
+              <a:t>이라고만 </a:t>
+            </a:r>
+            <a:endParaRPr lang="en-US" altLang="ko-KR" sz="2400" smtClean="0">
+              <a:solidFill>
+                <a:srgbClr val="FF0000"/>
+              </a:solidFill>
+            </a:endParaRPr>
+          </a:p>
+          <a:p>
+            <a:r>
+              <a:rPr lang="ko-KR" altLang="en-US" sz="2400" smtClean="0">
+                <a:solidFill>
+                  <a:srgbClr val="FF0000"/>
+                </a:solidFill>
+              </a:rPr>
+              <a:t>입력 </a:t>
+            </a:r>
+            <a:r>
+              <a:rPr lang="en-US" altLang="ko-KR" sz="2400" smtClean="0">
+                <a:solidFill>
+                  <a:srgbClr val="FF0000"/>
+                </a:solidFill>
+              </a:rPr>
+              <a:t>(c##</a:t>
+            </a:r>
+            <a:r>
+              <a:rPr lang="ko-KR" altLang="en-US" sz="2400" smtClean="0">
+                <a:solidFill>
+                  <a:srgbClr val="FF0000"/>
+                </a:solidFill>
+              </a:rPr>
+              <a:t>제외</a:t>
+            </a:r>
+            <a:r>
+              <a:rPr lang="en-US" altLang="ko-KR" sz="2400" smtClean="0">
+                <a:solidFill>
+                  <a:srgbClr val="FF0000"/>
+                </a:solidFill>
+              </a:rPr>
+              <a:t>)</a:t>
+            </a:r>
+            <a:endParaRPr lang="ko-KR" altLang="en-US" sz="2400">
+              <a:solidFill>
+                <a:srgbClr val="FF0000"/>
+              </a:solidFill>
+            </a:endParaRPr>
+          </a:p>
+        </p:txBody>
+      </p:sp>
+      <p:cxnSp>
+        <p:nvCxnSpPr>
+          <p:cNvPr id="17" name="직선 화살표 연결선 16"/>
+          <p:cNvCxnSpPr/>
+          <p:nvPr/>
+        </p:nvCxnSpPr>
+        <p:spPr>
+          <a:xfrm flipH="1">
+            <a:off x="6267450" y="3209535"/>
+            <a:ext cx="1104900" cy="0"/>
+          </a:xfrm>
+          <a:prstGeom prst="straightConnector1">
+            <a:avLst/>
+          </a:prstGeom>
+          <a:ln>
+            <a:solidFill>
+              <a:srgbClr val="FF0000"/>
+            </a:solidFill>
+            <a:tailEnd type="triangle"/>
+          </a:ln>
+        </p:spPr>
+        <p:style>
+          <a:lnRef idx="1">
+            <a:schemeClr val="accent1"/>
+          </a:lnRef>
+          <a:fillRef idx="0">
+            <a:schemeClr val="accent1"/>
+          </a:fillRef>
+          <a:effectRef idx="0">
+            <a:schemeClr val="accent1"/>
+          </a:effectRef>
+          <a:fontRef idx="minor">
+            <a:schemeClr val="tx1"/>
+          </a:fontRef>
+        </p:style>
+      </p:cxnSp>
+      <p:sp>
+        <p:nvSpPr>
+          <p:cNvPr id="18" name="TextBox 17"/>
+          <p:cNvSpPr txBox="1"/>
+          <p:nvPr/>
+        </p:nvSpPr>
+        <p:spPr>
+          <a:xfrm>
+            <a:off x="7524750" y="2978702"/>
+            <a:ext cx="3337346" cy="461665"/>
+          </a:xfrm>
+          <a:prstGeom prst="rect">
+            <a:avLst/>
+          </a:prstGeom>
+          <a:noFill/>
+        </p:spPr>
+        <p:txBody>
+          <a:bodyPr wrap="square" rtlCol="0">
+            <a:spAutoFit/>
+          </a:bodyPr>
+          <a:lstStyle/>
+          <a:p>
+            <a:r>
+              <a:rPr lang="en-US" altLang="ko-KR" sz="2400" smtClean="0">
+                <a:solidFill>
+                  <a:srgbClr val="FF0000"/>
+                </a:solidFill>
+              </a:rPr>
+              <a:t>1234</a:t>
+            </a:r>
+            <a:r>
+              <a:rPr lang="ko-KR" altLang="en-US" sz="2400" smtClean="0">
+                <a:solidFill>
+                  <a:srgbClr val="FF0000"/>
+                </a:solidFill>
+              </a:rPr>
+              <a:t> 설치하면서 설정</a:t>
+            </a:r>
+            <a:endParaRPr lang="ko-KR" altLang="en-US" sz="2400">
+              <a:solidFill>
+                <a:srgbClr val="FF0000"/>
+              </a:solidFill>
+            </a:endParaRPr>
+          </a:p>
+        </p:txBody>
+      </p:sp>
     </p:spTree>
     <p:extLst>
       <p:ext uri="{BB962C8B-B14F-4D97-AF65-F5344CB8AC3E}">
-        <p14:creationId xmlns:p14="http://schemas.microsoft.com/office/powerpoint/2010/main" val="2248466962"/>
+        <p14:creationId xmlns:p14="http://schemas.microsoft.com/office/powerpoint/2010/main" val="1613218948"/>
       </p:ext>
     </p:extLst>
   </p:cSld>
@@ -4041,8 +4263,8 @@
         </p:blipFill>
         <p:spPr>
           <a:xfrm>
-            <a:off x="1697717" y="636360"/>
-            <a:ext cx="8477250" cy="5353050"/>
+            <a:off x="-2371264" y="580256"/>
+            <a:ext cx="16116761" cy="5407589"/>
           </a:xfrm>
           <a:prstGeom prst="rect">
             <a:avLst/>
@@ -4051,14 +4273,14 @@
       </p:pic>
       <p:sp>
         <p:nvSpPr>
-          <p:cNvPr id="4" name="직사각형 3"/>
+          <p:cNvPr id="7" name="직사각형 6"/>
           <p:cNvSpPr/>
           <p:nvPr/>
         </p:nvSpPr>
         <p:spPr>
           <a:xfrm>
-            <a:off x="2467428" y="5602514"/>
-            <a:ext cx="754743" cy="386896"/>
+            <a:off x="6076335" y="4371054"/>
+            <a:ext cx="7669162" cy="723900"/>
           </a:xfrm>
           <a:prstGeom prst="rect">
             <a:avLst/>
@@ -4095,79 +4317,10 @@
           </a:p>
         </p:txBody>
       </p:sp>
-      <p:sp>
-        <p:nvSpPr>
-          <p:cNvPr id="6" name="TextBox 5"/>
-          <p:cNvSpPr txBox="1"/>
-          <p:nvPr/>
-        </p:nvSpPr>
-        <p:spPr>
-          <a:xfrm>
-            <a:off x="6850743" y="2815771"/>
-            <a:ext cx="3324224" cy="646331"/>
-          </a:xfrm>
-          <a:prstGeom prst="rect">
-            <a:avLst/>
-          </a:prstGeom>
-          <a:noFill/>
-        </p:spPr>
-        <p:txBody>
-          <a:bodyPr wrap="square" rtlCol="0">
-            <a:spAutoFit/>
-          </a:bodyPr>
-          <a:lstStyle/>
-          <a:p>
-            <a:r>
-              <a:rPr lang="en-US" altLang="ko-KR" smtClean="0">
-                <a:solidFill>
-                  <a:srgbClr val="FF0000"/>
-                </a:solidFill>
-              </a:rPr>
-              <a:t>Ctrl + Enter : </a:t>
-            </a:r>
-            <a:r>
-              <a:rPr lang="ko-KR" altLang="en-US" smtClean="0">
-                <a:solidFill>
-                  <a:srgbClr val="FF0000"/>
-                </a:solidFill>
-              </a:rPr>
-              <a:t>한줄 실행</a:t>
-            </a:r>
-            <a:endParaRPr lang="en-US" altLang="ko-KR" smtClean="0">
-              <a:solidFill>
-                <a:srgbClr val="FF0000"/>
-              </a:solidFill>
-            </a:endParaRPr>
-          </a:p>
-          <a:p>
-            <a:r>
-              <a:rPr lang="en-US" altLang="ko-KR" smtClean="0">
-                <a:solidFill>
-                  <a:srgbClr val="FF0000"/>
-                </a:solidFill>
-              </a:rPr>
-              <a:t>Ctrl + Shift + Enter </a:t>
-            </a:r>
-            <a:r>
-              <a:rPr lang="ko-KR" altLang="en-US" smtClean="0">
-                <a:solidFill>
-                  <a:srgbClr val="FF0000"/>
-                </a:solidFill>
-              </a:rPr>
-              <a:t>전부실행</a:t>
-            </a:r>
-            <a:endParaRPr lang="ko-KR" altLang="en-US">
-              <a:solidFill>
-                <a:srgbClr val="FF0000"/>
-              </a:solidFill>
-            </a:endParaRPr>
-          </a:p>
-        </p:txBody>
-      </p:sp>
     </p:spTree>
     <p:extLst>
       <p:ext uri="{BB962C8B-B14F-4D97-AF65-F5344CB8AC3E}">
-        <p14:creationId xmlns:p14="http://schemas.microsoft.com/office/powerpoint/2010/main" val="1400320259"/>
+        <p14:creationId xmlns:p14="http://schemas.microsoft.com/office/powerpoint/2010/main" val="2425227861"/>
       </p:ext>
     </p:extLst>
   </p:cSld>
@@ -4178,264 +4331,6 @@
 </file>
 
 <file path=ppt/slides/slide18.xml><?xml version="1.0" encoding="utf-8"?>
-<p:sld xmlns:a="http://schemas.openxmlformats.org/drawingml/2006/main" xmlns:r="http://schemas.openxmlformats.org/officeDocument/2006/relationships" xmlns:p="http://schemas.openxmlformats.org/presentationml/2006/main">
-  <p:cSld>
-    <p:spTree>
-      <p:nvGrpSpPr>
-        <p:cNvPr id="1" name=""/>
-        <p:cNvGrpSpPr/>
-        <p:nvPr/>
-      </p:nvGrpSpPr>
-      <p:grpSpPr>
-        <a:xfrm>
-          <a:off x="0" y="0"/>
-          <a:ext cx="0" cy="0"/>
-          <a:chOff x="0" y="0"/>
-          <a:chExt cx="0" cy="0"/>
-        </a:xfrm>
-      </p:grpSpPr>
-      <p:pic>
-        <p:nvPicPr>
-          <p:cNvPr id="3" name="그림 2"/>
-          <p:cNvPicPr>
-            <a:picLocks noChangeAspect="1"/>
-          </p:cNvPicPr>
-          <p:nvPr/>
-        </p:nvPicPr>
-        <p:blipFill>
-          <a:blip r:embed="rId2"/>
-          <a:stretch>
-            <a:fillRect/>
-          </a:stretch>
-        </p:blipFill>
-        <p:spPr>
-          <a:xfrm>
-            <a:off x="1823810" y="781276"/>
-            <a:ext cx="8515350" cy="5324475"/>
-          </a:xfrm>
-          <a:prstGeom prst="rect">
-            <a:avLst/>
-          </a:prstGeom>
-        </p:spPr>
-      </p:pic>
-      <p:sp>
-        <p:nvSpPr>
-          <p:cNvPr id="4" name="직사각형 3"/>
-          <p:cNvSpPr/>
-          <p:nvPr/>
-        </p:nvSpPr>
-        <p:spPr>
-          <a:xfrm>
-            <a:off x="2409372" y="4187372"/>
-            <a:ext cx="1117599" cy="377372"/>
-          </a:xfrm>
-          <a:prstGeom prst="rect">
-            <a:avLst/>
-          </a:prstGeom>
-          <a:noFill/>
-          <a:ln w="76200">
-            <a:solidFill>
-              <a:srgbClr val="FF0000"/>
-            </a:solidFill>
-          </a:ln>
-        </p:spPr>
-        <p:style>
-          <a:lnRef idx="2">
-            <a:schemeClr val="accent1">
-              <a:shade val="50000"/>
-            </a:schemeClr>
-          </a:lnRef>
-          <a:fillRef idx="1">
-            <a:schemeClr val="accent1"/>
-          </a:fillRef>
-          <a:effectRef idx="0">
-            <a:schemeClr val="accent1"/>
-          </a:effectRef>
-          <a:fontRef idx="minor">
-            <a:schemeClr val="lt1"/>
-          </a:fontRef>
-        </p:style>
-        <p:txBody>
-          <a:bodyPr rtlCol="0" anchor="ctr"/>
-          <a:lstStyle/>
-          <a:p>
-            <a:pPr algn="ctr"/>
-            <a:endParaRPr lang="ko-KR" altLang="en-US"/>
-          </a:p>
-        </p:txBody>
-      </p:sp>
-      <p:sp>
-        <p:nvSpPr>
-          <p:cNvPr id="5" name="직사각형 4"/>
-          <p:cNvSpPr/>
-          <p:nvPr/>
-        </p:nvSpPr>
-        <p:spPr>
-          <a:xfrm>
-            <a:off x="3722916" y="4187371"/>
-            <a:ext cx="892628" cy="863599"/>
-          </a:xfrm>
-          <a:prstGeom prst="rect">
-            <a:avLst/>
-          </a:prstGeom>
-          <a:noFill/>
-          <a:ln w="76200">
-            <a:solidFill>
-              <a:srgbClr val="FF0000"/>
-            </a:solidFill>
-          </a:ln>
-        </p:spPr>
-        <p:style>
-          <a:lnRef idx="2">
-            <a:schemeClr val="accent1">
-              <a:shade val="50000"/>
-            </a:schemeClr>
-          </a:lnRef>
-          <a:fillRef idx="1">
-            <a:schemeClr val="accent1"/>
-          </a:fillRef>
-          <a:effectRef idx="0">
-            <a:schemeClr val="accent1"/>
-          </a:effectRef>
-          <a:fontRef idx="minor">
-            <a:schemeClr val="lt1"/>
-          </a:fontRef>
-        </p:style>
-        <p:txBody>
-          <a:bodyPr rtlCol="0" anchor="ctr"/>
-          <a:lstStyle/>
-          <a:p>
-            <a:pPr algn="ctr"/>
-            <a:endParaRPr lang="ko-KR" altLang="en-US"/>
-          </a:p>
-        </p:txBody>
-      </p:sp>
-    </p:spTree>
-    <p:extLst>
-      <p:ext uri="{BB962C8B-B14F-4D97-AF65-F5344CB8AC3E}">
-        <p14:creationId xmlns:p14="http://schemas.microsoft.com/office/powerpoint/2010/main" val="846591770"/>
-      </p:ext>
-    </p:extLst>
-  </p:cSld>
-  <p:clrMapOvr>
-    <a:masterClrMapping/>
-  </p:clrMapOvr>
-</p:sld>
-</file>
-
-<file path=ppt/slides/slide19.xml><?xml version="1.0" encoding="utf-8"?>
-<p:sld xmlns:a="http://schemas.openxmlformats.org/drawingml/2006/main" xmlns:r="http://schemas.openxmlformats.org/officeDocument/2006/relationships" xmlns:p="http://schemas.openxmlformats.org/presentationml/2006/main">
-  <p:cSld>
-    <p:spTree>
-      <p:nvGrpSpPr>
-        <p:cNvPr id="1" name=""/>
-        <p:cNvGrpSpPr/>
-        <p:nvPr/>
-      </p:nvGrpSpPr>
-      <p:grpSpPr>
-        <a:xfrm>
-          <a:off x="0" y="0"/>
-          <a:ext cx="0" cy="0"/>
-          <a:chOff x="0" y="0"/>
-          <a:chExt cx="0" cy="0"/>
-        </a:xfrm>
-      </p:grpSpPr>
-      <p:sp>
-        <p:nvSpPr>
-          <p:cNvPr id="6" name="TextBox 5"/>
-          <p:cNvSpPr txBox="1"/>
-          <p:nvPr/>
-        </p:nvSpPr>
-        <p:spPr>
-          <a:xfrm>
-            <a:off x="2971800" y="3181350"/>
-            <a:ext cx="7620000" cy="769441"/>
-          </a:xfrm>
-          <a:prstGeom prst="rect">
-            <a:avLst/>
-          </a:prstGeom>
-          <a:noFill/>
-        </p:spPr>
-        <p:txBody>
-          <a:bodyPr wrap="square" rtlCol="0">
-            <a:spAutoFit/>
-          </a:bodyPr>
-          <a:lstStyle/>
-          <a:p>
-            <a:r>
-              <a:rPr lang="ko-KR" altLang="en-US" sz="4400" smtClean="0">
-                <a:solidFill>
-                  <a:srgbClr val="FF0000"/>
-                </a:solidFill>
-              </a:rPr>
-              <a:t>자바 이클립스로 이동</a:t>
-            </a:r>
-            <a:endParaRPr lang="ko-KR" altLang="en-US" sz="4400">
-              <a:solidFill>
-                <a:srgbClr val="FF0000"/>
-              </a:solidFill>
-            </a:endParaRPr>
-          </a:p>
-        </p:txBody>
-      </p:sp>
-      <p:sp>
-        <p:nvSpPr>
-          <p:cNvPr id="7" name="직사각형 6"/>
-          <p:cNvSpPr/>
-          <p:nvPr/>
-        </p:nvSpPr>
-        <p:spPr>
-          <a:xfrm>
-            <a:off x="1390650" y="438150"/>
-            <a:ext cx="10153650" cy="5619750"/>
-          </a:xfrm>
-          <a:prstGeom prst="rect">
-            <a:avLst/>
-          </a:prstGeom>
-          <a:noFill/>
-          <a:ln>
-            <a:noFill/>
-          </a:ln>
-        </p:spPr>
-        <p:style>
-          <a:lnRef idx="2">
-            <a:schemeClr val="accent1">
-              <a:shade val="50000"/>
-            </a:schemeClr>
-          </a:lnRef>
-          <a:fillRef idx="1">
-            <a:schemeClr val="accent1"/>
-          </a:fillRef>
-          <a:effectRef idx="0">
-            <a:schemeClr val="accent1"/>
-          </a:effectRef>
-          <a:fontRef idx="minor">
-            <a:schemeClr val="lt1"/>
-          </a:fontRef>
-        </p:style>
-        <p:txBody>
-          <a:bodyPr rtlCol="0" anchor="ctr"/>
-          <a:lstStyle/>
-          <a:p>
-            <a:pPr algn="ctr"/>
-            <a:endParaRPr lang="ko-KR" altLang="en-US"/>
-          </a:p>
-        </p:txBody>
-      </p:sp>
-    </p:spTree>
-    <p:extLst>
-      <p:ext uri="{BB962C8B-B14F-4D97-AF65-F5344CB8AC3E}">
-        <p14:creationId xmlns:p14="http://schemas.microsoft.com/office/powerpoint/2010/main" val="891454097"/>
-      </p:ext>
-    </p:extLst>
-  </p:cSld>
-  <p:clrMapOvr>
-    <a:masterClrMapping/>
-  </p:clrMapOvr>
-</p:sld>
-</file>
-
-<file path=ppt/slides/slide2.xml><?xml version="1.0" encoding="utf-8"?>
 <p:sld xmlns:a="http://schemas.openxmlformats.org/drawingml/2006/main" xmlns:r="http://schemas.openxmlformats.org/officeDocument/2006/relationships" xmlns:p="http://schemas.openxmlformats.org/presentationml/2006/main">
   <p:cSld>
     <p:spTree>
@@ -4468,8 +4363,8 @@
         </p:blipFill>
         <p:spPr>
           <a:xfrm>
-            <a:off x="2343150" y="590550"/>
-            <a:ext cx="7505700" cy="5676900"/>
+            <a:off x="1924050" y="-663490"/>
+            <a:ext cx="7458075" cy="7883440"/>
           </a:xfrm>
           <a:prstGeom prst="rect">
             <a:avLst/>
@@ -4478,14 +4373,14 @@
       </p:pic>
       <p:sp>
         <p:nvSpPr>
-          <p:cNvPr id="5" name="직사각형 4"/>
+          <p:cNvPr id="7" name="직사각형 6"/>
           <p:cNvSpPr/>
           <p:nvPr/>
         </p:nvSpPr>
         <p:spPr>
           <a:xfrm>
-            <a:off x="4552950" y="4610100"/>
-            <a:ext cx="2339066" cy="895350"/>
+            <a:off x="1924050" y="6496050"/>
+            <a:ext cx="1314450" cy="723900"/>
           </a:xfrm>
           <a:prstGeom prst="rect">
             <a:avLst/>
@@ -4525,7 +4420,7 @@
     </p:spTree>
     <p:extLst>
       <p:ext uri="{BB962C8B-B14F-4D97-AF65-F5344CB8AC3E}">
-        <p14:creationId xmlns:p14="http://schemas.microsoft.com/office/powerpoint/2010/main" val="651786048"/>
+        <p14:creationId xmlns:p14="http://schemas.microsoft.com/office/powerpoint/2010/main" val="4232662507"/>
       </p:ext>
     </p:extLst>
   </p:cSld>
@@ -4535,7 +4430,171 @@
 </p:sld>
 </file>
 
-<file path=ppt/slides/slide20.xml><?xml version="1.0" encoding="utf-8"?>
+<file path=ppt/slides/slide19.xml><?xml version="1.0" encoding="utf-8"?>
+<p:sld xmlns:a="http://schemas.openxmlformats.org/drawingml/2006/main" xmlns:r="http://schemas.openxmlformats.org/officeDocument/2006/relationships" xmlns:p="http://schemas.openxmlformats.org/presentationml/2006/main">
+  <p:cSld>
+    <p:spTree>
+      <p:nvGrpSpPr>
+        <p:cNvPr id="1" name=""/>
+        <p:cNvGrpSpPr/>
+        <p:nvPr/>
+      </p:nvGrpSpPr>
+      <p:grpSpPr>
+        <a:xfrm>
+          <a:off x="0" y="0"/>
+          <a:ext cx="0" cy="0"/>
+          <a:chOff x="0" y="0"/>
+          <a:chExt cx="0" cy="0"/>
+        </a:xfrm>
+      </p:grpSpPr>
+      <p:sp>
+        <p:nvSpPr>
+          <p:cNvPr id="6" name="TextBox 5"/>
+          <p:cNvSpPr txBox="1"/>
+          <p:nvPr/>
+        </p:nvSpPr>
+        <p:spPr>
+          <a:xfrm>
+            <a:off x="2971800" y="3181350"/>
+            <a:ext cx="7620000" cy="769441"/>
+          </a:xfrm>
+          <a:prstGeom prst="rect">
+            <a:avLst/>
+          </a:prstGeom>
+          <a:noFill/>
+        </p:spPr>
+        <p:txBody>
+          <a:bodyPr wrap="square" rtlCol="0">
+            <a:spAutoFit/>
+          </a:bodyPr>
+          <a:lstStyle/>
+          <a:p>
+            <a:r>
+              <a:rPr lang="en-US" altLang="ko-KR" sz="4400" smtClean="0">
+                <a:solidFill>
+                  <a:srgbClr val="FF0000"/>
+                </a:solidFill>
+              </a:rPr>
+              <a:t>2</a:t>
+            </a:r>
+            <a:r>
+              <a:rPr lang="ko-KR" altLang="en-US" sz="4400" smtClean="0">
+                <a:solidFill>
+                  <a:srgbClr val="FF0000"/>
+                </a:solidFill>
+              </a:rPr>
+              <a:t>번째 예제코드 복붙</a:t>
+            </a:r>
+            <a:endParaRPr lang="ko-KR" altLang="en-US" sz="4400">
+              <a:solidFill>
+                <a:srgbClr val="FF0000"/>
+              </a:solidFill>
+            </a:endParaRPr>
+          </a:p>
+        </p:txBody>
+      </p:sp>
+      <p:sp>
+        <p:nvSpPr>
+          <p:cNvPr id="7" name="직사각형 6"/>
+          <p:cNvSpPr/>
+          <p:nvPr/>
+        </p:nvSpPr>
+        <p:spPr>
+          <a:xfrm>
+            <a:off x="1390650" y="438150"/>
+            <a:ext cx="10153650" cy="5619750"/>
+          </a:xfrm>
+          <a:prstGeom prst="rect">
+            <a:avLst/>
+          </a:prstGeom>
+          <a:noFill/>
+          <a:ln>
+            <a:noFill/>
+          </a:ln>
+        </p:spPr>
+        <p:style>
+          <a:lnRef idx="2">
+            <a:schemeClr val="accent1">
+              <a:shade val="50000"/>
+            </a:schemeClr>
+          </a:lnRef>
+          <a:fillRef idx="1">
+            <a:schemeClr val="accent1"/>
+          </a:fillRef>
+          <a:effectRef idx="0">
+            <a:schemeClr val="accent1"/>
+          </a:effectRef>
+          <a:fontRef idx="minor">
+            <a:schemeClr val="lt1"/>
+          </a:fontRef>
+        </p:style>
+        <p:txBody>
+          <a:bodyPr rtlCol="0" anchor="ctr"/>
+          <a:lstStyle/>
+          <a:p>
+            <a:pPr algn="ctr"/>
+            <a:endParaRPr lang="ko-KR" altLang="en-US"/>
+          </a:p>
+        </p:txBody>
+      </p:sp>
+      <p:sp>
+        <p:nvSpPr>
+          <p:cNvPr id="4" name="직사각형 3"/>
+          <p:cNvSpPr/>
+          <p:nvPr/>
+        </p:nvSpPr>
+        <p:spPr>
+          <a:xfrm>
+            <a:off x="1543050" y="590550"/>
+            <a:ext cx="10153650" cy="5619750"/>
+          </a:xfrm>
+          <a:prstGeom prst="rect">
+            <a:avLst/>
+          </a:prstGeom>
+          <a:noFill/>
+          <a:ln>
+            <a:noFill/>
+          </a:ln>
+        </p:spPr>
+        <p:style>
+          <a:lnRef idx="2">
+            <a:schemeClr val="accent1">
+              <a:shade val="50000"/>
+            </a:schemeClr>
+          </a:lnRef>
+          <a:fillRef idx="1">
+            <a:schemeClr val="accent1"/>
+          </a:fillRef>
+          <a:effectRef idx="0">
+            <a:schemeClr val="accent1"/>
+          </a:effectRef>
+          <a:fontRef idx="minor">
+            <a:schemeClr val="lt1"/>
+          </a:fontRef>
+        </p:style>
+        <p:txBody>
+          <a:bodyPr rtlCol="0" anchor="ctr"/>
+          <a:lstStyle/>
+          <a:p>
+            <a:pPr algn="ctr"/>
+            <a:endParaRPr lang="ko-KR" altLang="en-US"/>
+          </a:p>
+        </p:txBody>
+      </p:sp>
+    </p:spTree>
+    <p:extLst>
+      <p:ext uri="{BB962C8B-B14F-4D97-AF65-F5344CB8AC3E}">
+        <p14:creationId xmlns:p14="http://schemas.microsoft.com/office/powerpoint/2010/main" val="1091491113"/>
+      </p:ext>
+    </p:extLst>
+  </p:cSld>
+  <p:clrMapOvr>
+    <a:masterClrMapping/>
+  </p:clrMapOvr>
+</p:sld>
+</file>
+
+<file path=ppt/slides/slide2.xml><?xml version="1.0" encoding="utf-8"?>
 <p:sld xmlns:a="http://schemas.openxmlformats.org/drawingml/2006/main" xmlns:r="http://schemas.openxmlformats.org/officeDocument/2006/relationships" xmlns:p="http://schemas.openxmlformats.org/presentationml/2006/main">
   <p:cSld>
     <p:spTree>
@@ -4554,92 +4613,37 @@
       </p:grpSpPr>
       <p:pic>
         <p:nvPicPr>
-          <p:cNvPr id="7" name="그림 6"/>
+          <p:cNvPr id="4" name="그림 3"/>
           <p:cNvPicPr>
             <a:picLocks noChangeAspect="1"/>
           </p:cNvPicPr>
           <p:nvPr/>
         </p:nvPicPr>
-        <p:blipFill>
+        <p:blipFill rotWithShape="1">
           <a:blip r:embed="rId2"/>
-          <a:stretch>
-            <a:fillRect/>
-          </a:stretch>
+          <a:srcRect t="28637" r="58078"/>
+          <a:stretch/>
         </p:blipFill>
         <p:spPr>
           <a:xfrm>
-            <a:off x="0" y="809624"/>
-            <a:ext cx="11898507" cy="5057775"/>
+            <a:off x="1201983" y="728380"/>
+            <a:ext cx="9491129" cy="5272370"/>
           </a:xfrm>
           <a:prstGeom prst="rect">
             <a:avLst/>
           </a:prstGeom>
         </p:spPr>
       </p:pic>
-    </p:spTree>
-    <p:extLst>
-      <p:ext uri="{BB962C8B-B14F-4D97-AF65-F5344CB8AC3E}">
-        <p14:creationId xmlns:p14="http://schemas.microsoft.com/office/powerpoint/2010/main" val="1672683348"/>
-      </p:ext>
-    </p:extLst>
-  </p:cSld>
-  <p:clrMapOvr>
-    <a:masterClrMapping/>
-  </p:clrMapOvr>
-</p:sld>
-</file>
-
-<file path=ppt/slides/slide21.xml><?xml version="1.0" encoding="utf-8"?>
-<p:sld xmlns:a="http://schemas.openxmlformats.org/drawingml/2006/main" xmlns:r="http://schemas.openxmlformats.org/officeDocument/2006/relationships" xmlns:p="http://schemas.openxmlformats.org/presentationml/2006/main">
-  <p:cSld>
-    <p:spTree>
-      <p:nvGrpSpPr>
-        <p:cNvPr id="1" name=""/>
-        <p:cNvGrpSpPr/>
-        <p:nvPr/>
-      </p:nvGrpSpPr>
-      <p:grpSpPr>
-        <a:xfrm>
-          <a:off x="0" y="0"/>
-          <a:ext cx="0" cy="0"/>
-          <a:chOff x="0" y="0"/>
-          <a:chExt cx="0" cy="0"/>
-        </a:xfrm>
-      </p:grpSpPr>
-      <p:pic>
-        <p:nvPicPr>
-          <p:cNvPr id="3" name="그림 2"/>
-          <p:cNvPicPr>
-            <a:picLocks noChangeAspect="1"/>
-          </p:cNvPicPr>
-          <p:nvPr/>
-        </p:nvPicPr>
-        <p:blipFill>
-          <a:blip r:embed="rId2"/>
-          <a:stretch>
-            <a:fillRect/>
-          </a:stretch>
-        </p:blipFill>
-        <p:spPr>
-          <a:xfrm>
-            <a:off x="2328409" y="-396603"/>
-            <a:ext cx="7186613" cy="8487047"/>
-          </a:xfrm>
-          <a:prstGeom prst="rect">
-            <a:avLst/>
-          </a:prstGeom>
-        </p:spPr>
-      </p:pic>
-      <p:sp>
-        <p:nvSpPr>
-          <p:cNvPr id="4" name="직사각형 3"/>
+      <p:sp>
+        <p:nvSpPr>
+          <p:cNvPr id="7" name="직사각형 6"/>
           <p:cNvSpPr/>
           <p:nvPr/>
         </p:nvSpPr>
         <p:spPr>
           <a:xfrm>
-            <a:off x="3738109" y="2305050"/>
-            <a:ext cx="1252991" cy="1009650"/>
+            <a:off x="1201983" y="2600324"/>
+            <a:ext cx="9187962" cy="890589"/>
           </a:xfrm>
           <a:prstGeom prst="rect">
             <a:avLst/>
@@ -4676,140 +4680,10 @@
           </a:p>
         </p:txBody>
       </p:sp>
-      <p:sp>
-        <p:nvSpPr>
-          <p:cNvPr id="5" name="직사각형 4"/>
-          <p:cNvSpPr/>
-          <p:nvPr/>
-        </p:nvSpPr>
-        <p:spPr>
-          <a:xfrm>
-            <a:off x="3738108" y="5105896"/>
-            <a:ext cx="3253241" cy="596676"/>
-          </a:xfrm>
-          <a:prstGeom prst="rect">
-            <a:avLst/>
-          </a:prstGeom>
-          <a:noFill/>
-          <a:ln w="76200">
-            <a:solidFill>
-              <a:srgbClr val="FF0000"/>
-            </a:solidFill>
-          </a:ln>
-        </p:spPr>
-        <p:style>
-          <a:lnRef idx="2">
-            <a:schemeClr val="accent1">
-              <a:shade val="50000"/>
-            </a:schemeClr>
-          </a:lnRef>
-          <a:fillRef idx="1">
-            <a:schemeClr val="accent1"/>
-          </a:fillRef>
-          <a:effectRef idx="0">
-            <a:schemeClr val="accent1"/>
-          </a:effectRef>
-          <a:fontRef idx="minor">
-            <a:schemeClr val="lt1"/>
-          </a:fontRef>
-        </p:style>
-        <p:txBody>
-          <a:bodyPr rtlCol="0" anchor="ctr"/>
-          <a:lstStyle/>
-          <a:p>
-            <a:pPr algn="ctr"/>
-            <a:endParaRPr lang="ko-KR" altLang="en-US"/>
-          </a:p>
-        </p:txBody>
-      </p:sp>
-      <p:sp>
-        <p:nvSpPr>
-          <p:cNvPr id="7" name="TextBox 6"/>
-          <p:cNvSpPr txBox="1"/>
-          <p:nvPr/>
-        </p:nvSpPr>
-        <p:spPr>
-          <a:xfrm>
-            <a:off x="5419725" y="2305050"/>
-            <a:ext cx="3666672" cy="584775"/>
-          </a:xfrm>
-          <a:prstGeom prst="rect">
-            <a:avLst/>
-          </a:prstGeom>
-          <a:noFill/>
-        </p:spPr>
-        <p:txBody>
-          <a:bodyPr wrap="square" rtlCol="0">
-            <a:spAutoFit/>
-          </a:bodyPr>
-          <a:lstStyle/>
-          <a:p>
-            <a:r>
-              <a:rPr lang="ko-KR" altLang="en-US" sz="3200" smtClean="0">
-                <a:solidFill>
-                  <a:srgbClr val="FF0000"/>
-                </a:solidFill>
-              </a:rPr>
-              <a:t>대문자로 시작</a:t>
-            </a:r>
-            <a:endParaRPr lang="ko-KR" altLang="en-US" sz="3200">
-              <a:solidFill>
-                <a:srgbClr val="FF0000"/>
-              </a:solidFill>
-            </a:endParaRPr>
-          </a:p>
-        </p:txBody>
-      </p:sp>
-      <p:sp>
-        <p:nvSpPr>
-          <p:cNvPr id="9" name="직사각형 8"/>
-          <p:cNvSpPr/>
-          <p:nvPr/>
-        </p:nvSpPr>
-        <p:spPr>
-          <a:xfrm>
-            <a:off x="6591300" y="7493768"/>
-            <a:ext cx="1653041" cy="596676"/>
-          </a:xfrm>
-          <a:prstGeom prst="rect">
-            <a:avLst/>
-          </a:prstGeom>
-          <a:noFill/>
-          <a:ln w="76200">
-            <a:solidFill>
-              <a:srgbClr val="FF0000"/>
-            </a:solidFill>
-          </a:ln>
-        </p:spPr>
-        <p:style>
-          <a:lnRef idx="2">
-            <a:schemeClr val="accent1">
-              <a:shade val="50000"/>
-            </a:schemeClr>
-          </a:lnRef>
-          <a:fillRef idx="1">
-            <a:schemeClr val="accent1"/>
-          </a:fillRef>
-          <a:effectRef idx="0">
-            <a:schemeClr val="accent1"/>
-          </a:effectRef>
-          <a:fontRef idx="minor">
-            <a:schemeClr val="lt1"/>
-          </a:fontRef>
-        </p:style>
-        <p:txBody>
-          <a:bodyPr rtlCol="0" anchor="ctr"/>
-          <a:lstStyle/>
-          <a:p>
-            <a:pPr algn="ctr"/>
-            <a:endParaRPr lang="ko-KR" altLang="en-US"/>
-          </a:p>
-        </p:txBody>
-      </p:sp>
     </p:spTree>
     <p:extLst>
       <p:ext uri="{BB962C8B-B14F-4D97-AF65-F5344CB8AC3E}">
-        <p14:creationId xmlns:p14="http://schemas.microsoft.com/office/powerpoint/2010/main" val="2685365071"/>
+        <p14:creationId xmlns:p14="http://schemas.microsoft.com/office/powerpoint/2010/main" val="2782463473"/>
       </p:ext>
     </p:extLst>
   </p:cSld>
@@ -4819,472 +4693,7 @@
 </p:sld>
 </file>
 
-<file path=ppt/slides/slide22.xml><?xml version="1.0" encoding="utf-8"?>
-<p:sld xmlns:a="http://schemas.openxmlformats.org/drawingml/2006/main" xmlns:r="http://schemas.openxmlformats.org/officeDocument/2006/relationships" xmlns:p="http://schemas.openxmlformats.org/presentationml/2006/main">
-  <p:cSld>
-    <p:spTree>
-      <p:nvGrpSpPr>
-        <p:cNvPr id="1" name=""/>
-        <p:cNvGrpSpPr/>
-        <p:nvPr/>
-      </p:nvGrpSpPr>
-      <p:grpSpPr>
-        <a:xfrm>
-          <a:off x="0" y="0"/>
-          <a:ext cx="0" cy="0"/>
-          <a:chOff x="0" y="0"/>
-          <a:chExt cx="0" cy="0"/>
-        </a:xfrm>
-      </p:grpSpPr>
-      <p:pic>
-        <p:nvPicPr>
-          <p:cNvPr id="2" name="그림 1"/>
-          <p:cNvPicPr>
-            <a:picLocks noChangeAspect="1"/>
-          </p:cNvPicPr>
-          <p:nvPr/>
-        </p:nvPicPr>
-        <p:blipFill rotWithShape="1">
-          <a:blip r:embed="rId2"/>
-          <a:srcRect b="48857"/>
-          <a:stretch/>
-        </p:blipFill>
-        <p:spPr>
-          <a:xfrm>
-            <a:off x="1119187" y="704850"/>
-            <a:ext cx="9753972" cy="5314950"/>
-          </a:xfrm>
-          <a:prstGeom prst="rect">
-            <a:avLst/>
-          </a:prstGeom>
-        </p:spPr>
-      </p:pic>
-    </p:spTree>
-    <p:extLst>
-      <p:ext uri="{BB962C8B-B14F-4D97-AF65-F5344CB8AC3E}">
-        <p14:creationId xmlns:p14="http://schemas.microsoft.com/office/powerpoint/2010/main" val="3497424923"/>
-      </p:ext>
-    </p:extLst>
-  </p:cSld>
-  <p:clrMapOvr>
-    <a:masterClrMapping/>
-  </p:clrMapOvr>
-</p:sld>
-</file>
-
-<file path=ppt/slides/slide23.xml><?xml version="1.0" encoding="utf-8"?>
-<p:sld xmlns:a="http://schemas.openxmlformats.org/drawingml/2006/main" xmlns:r="http://schemas.openxmlformats.org/officeDocument/2006/relationships" xmlns:p="http://schemas.openxmlformats.org/presentationml/2006/main">
-  <p:cSld>
-    <p:spTree>
-      <p:nvGrpSpPr>
-        <p:cNvPr id="1" name=""/>
-        <p:cNvGrpSpPr/>
-        <p:nvPr/>
-      </p:nvGrpSpPr>
-      <p:grpSpPr>
-        <a:xfrm>
-          <a:off x="0" y="0"/>
-          <a:ext cx="0" cy="0"/>
-          <a:chOff x="0" y="0"/>
-          <a:chExt cx="0" cy="0"/>
-        </a:xfrm>
-      </p:grpSpPr>
-      <p:pic>
-        <p:nvPicPr>
-          <p:cNvPr id="3" name="그림 2"/>
-          <p:cNvPicPr>
-            <a:picLocks noChangeAspect="1"/>
-          </p:cNvPicPr>
-          <p:nvPr/>
-        </p:nvPicPr>
-        <p:blipFill>
-          <a:blip r:embed="rId2"/>
-          <a:stretch>
-            <a:fillRect/>
-          </a:stretch>
-        </p:blipFill>
-        <p:spPr>
-          <a:xfrm>
-            <a:off x="449171" y="438150"/>
-            <a:ext cx="11209429" cy="5157787"/>
-          </a:xfrm>
-          <a:prstGeom prst="rect">
-            <a:avLst/>
-          </a:prstGeom>
-        </p:spPr>
-      </p:pic>
-      <p:sp>
-        <p:nvSpPr>
-          <p:cNvPr id="5" name="직사각형 4"/>
-          <p:cNvSpPr/>
-          <p:nvPr/>
-        </p:nvSpPr>
-        <p:spPr>
-          <a:xfrm>
-            <a:off x="4396535" y="1053876"/>
-            <a:ext cx="1524000" cy="723900"/>
-          </a:xfrm>
-          <a:prstGeom prst="rect">
-            <a:avLst/>
-          </a:prstGeom>
-          <a:noFill/>
-          <a:ln w="76200">
-            <a:solidFill>
-              <a:srgbClr val="FF0000"/>
-            </a:solidFill>
-          </a:ln>
-        </p:spPr>
-        <p:style>
-          <a:lnRef idx="2">
-            <a:schemeClr val="accent1">
-              <a:shade val="50000"/>
-            </a:schemeClr>
-          </a:lnRef>
-          <a:fillRef idx="1">
-            <a:schemeClr val="accent1"/>
-          </a:fillRef>
-          <a:effectRef idx="0">
-            <a:schemeClr val="accent1"/>
-          </a:effectRef>
-          <a:fontRef idx="minor">
-            <a:schemeClr val="lt1"/>
-          </a:fontRef>
-        </p:style>
-        <p:txBody>
-          <a:bodyPr rtlCol="0" anchor="ctr"/>
-          <a:lstStyle/>
-          <a:p>
-            <a:pPr algn="ctr"/>
-            <a:endParaRPr lang="ko-KR" altLang="en-US"/>
-          </a:p>
-        </p:txBody>
-      </p:sp>
-      <p:sp>
-        <p:nvSpPr>
-          <p:cNvPr id="6" name="직사각형 5"/>
-          <p:cNvSpPr/>
-          <p:nvPr/>
-        </p:nvSpPr>
-        <p:spPr>
-          <a:xfrm>
-            <a:off x="9620249" y="2171700"/>
-            <a:ext cx="2038351" cy="419100"/>
-          </a:xfrm>
-          <a:prstGeom prst="rect">
-            <a:avLst/>
-          </a:prstGeom>
-          <a:noFill/>
-          <a:ln w="76200">
-            <a:solidFill>
-              <a:srgbClr val="FF0000"/>
-            </a:solidFill>
-          </a:ln>
-        </p:spPr>
-        <p:style>
-          <a:lnRef idx="2">
-            <a:schemeClr val="accent1">
-              <a:shade val="50000"/>
-            </a:schemeClr>
-          </a:lnRef>
-          <a:fillRef idx="1">
-            <a:schemeClr val="accent1"/>
-          </a:fillRef>
-          <a:effectRef idx="0">
-            <a:schemeClr val="accent1"/>
-          </a:effectRef>
-          <a:fontRef idx="minor">
-            <a:schemeClr val="lt1"/>
-          </a:fontRef>
-        </p:style>
-        <p:txBody>
-          <a:bodyPr rtlCol="0" anchor="ctr"/>
-          <a:lstStyle/>
-          <a:p>
-            <a:pPr algn="ctr"/>
-            <a:endParaRPr lang="ko-KR" altLang="en-US"/>
-          </a:p>
-        </p:txBody>
-      </p:sp>
-    </p:spTree>
-    <p:extLst>
-      <p:ext uri="{BB962C8B-B14F-4D97-AF65-F5344CB8AC3E}">
-        <p14:creationId xmlns:p14="http://schemas.microsoft.com/office/powerpoint/2010/main" val="1188536853"/>
-      </p:ext>
-    </p:extLst>
-  </p:cSld>
-  <p:clrMapOvr>
-    <a:masterClrMapping/>
-  </p:clrMapOvr>
-</p:sld>
-</file>
-
-<file path=ppt/slides/slide24.xml><?xml version="1.0" encoding="utf-8"?>
-<p:sld xmlns:a="http://schemas.openxmlformats.org/drawingml/2006/main" xmlns:r="http://schemas.openxmlformats.org/officeDocument/2006/relationships" xmlns:p="http://schemas.openxmlformats.org/presentationml/2006/main">
-  <p:cSld>
-    <p:spTree>
-      <p:nvGrpSpPr>
-        <p:cNvPr id="1" name=""/>
-        <p:cNvGrpSpPr/>
-        <p:nvPr/>
-      </p:nvGrpSpPr>
-      <p:grpSpPr>
-        <a:xfrm>
-          <a:off x="0" y="0"/>
-          <a:ext cx="0" cy="0"/>
-          <a:chOff x="0" y="0"/>
-          <a:chExt cx="0" cy="0"/>
-        </a:xfrm>
-      </p:grpSpPr>
-      <p:pic>
-        <p:nvPicPr>
-          <p:cNvPr id="3" name="그림 2"/>
-          <p:cNvPicPr>
-            <a:picLocks noChangeAspect="1"/>
-          </p:cNvPicPr>
-          <p:nvPr/>
-        </p:nvPicPr>
-        <p:blipFill>
-          <a:blip r:embed="rId2"/>
-          <a:stretch>
-            <a:fillRect/>
-          </a:stretch>
-        </p:blipFill>
-        <p:spPr>
-          <a:xfrm>
-            <a:off x="-290513" y="845343"/>
-            <a:ext cx="12628565" cy="3071813"/>
-          </a:xfrm>
-          <a:prstGeom prst="rect">
-            <a:avLst/>
-          </a:prstGeom>
-        </p:spPr>
-      </p:pic>
-      <p:sp>
-        <p:nvSpPr>
-          <p:cNvPr id="5" name="직사각형 4"/>
-          <p:cNvSpPr/>
-          <p:nvPr/>
-        </p:nvSpPr>
-        <p:spPr>
-          <a:xfrm>
-            <a:off x="0" y="1155905"/>
-            <a:ext cx="12192000" cy="723900"/>
-          </a:xfrm>
-          <a:prstGeom prst="rect">
-            <a:avLst/>
-          </a:prstGeom>
-          <a:noFill/>
-          <a:ln w="76200">
-            <a:solidFill>
-              <a:srgbClr val="FF0000"/>
-            </a:solidFill>
-          </a:ln>
-        </p:spPr>
-        <p:style>
-          <a:lnRef idx="2">
-            <a:schemeClr val="accent1">
-              <a:shade val="50000"/>
-            </a:schemeClr>
-          </a:lnRef>
-          <a:fillRef idx="1">
-            <a:schemeClr val="accent1"/>
-          </a:fillRef>
-          <a:effectRef idx="0">
-            <a:schemeClr val="accent1"/>
-          </a:effectRef>
-          <a:fontRef idx="minor">
-            <a:schemeClr val="lt1"/>
-          </a:fontRef>
-        </p:style>
-        <p:txBody>
-          <a:bodyPr rtlCol="0" anchor="ctr"/>
-          <a:lstStyle/>
-          <a:p>
-            <a:pPr algn="ctr"/>
-            <a:endParaRPr lang="ko-KR" altLang="en-US"/>
-          </a:p>
-        </p:txBody>
-      </p:sp>
-    </p:spTree>
-    <p:extLst>
-      <p:ext uri="{BB962C8B-B14F-4D97-AF65-F5344CB8AC3E}">
-        <p14:creationId xmlns:p14="http://schemas.microsoft.com/office/powerpoint/2010/main" val="3117174484"/>
-      </p:ext>
-    </p:extLst>
-  </p:cSld>
-  <p:clrMapOvr>
-    <a:masterClrMapping/>
-  </p:clrMapOvr>
-</p:sld>
-</file>
-
-<file path=ppt/slides/slide25.xml><?xml version="1.0" encoding="utf-8"?>
-<p:sld xmlns:a="http://schemas.openxmlformats.org/drawingml/2006/main" xmlns:r="http://schemas.openxmlformats.org/officeDocument/2006/relationships" xmlns:p="http://schemas.openxmlformats.org/presentationml/2006/main">
-  <p:cSld>
-    <p:spTree>
-      <p:nvGrpSpPr>
-        <p:cNvPr id="1" name=""/>
-        <p:cNvGrpSpPr/>
-        <p:nvPr/>
-      </p:nvGrpSpPr>
-      <p:grpSpPr>
-        <a:xfrm>
-          <a:off x="0" y="0"/>
-          <a:ext cx="0" cy="0"/>
-          <a:chOff x="0" y="0"/>
-          <a:chExt cx="0" cy="0"/>
-        </a:xfrm>
-      </p:grpSpPr>
-      <p:pic>
-        <p:nvPicPr>
-          <p:cNvPr id="3" name="그림 2"/>
-          <p:cNvPicPr>
-            <a:picLocks noChangeAspect="1"/>
-          </p:cNvPicPr>
-          <p:nvPr/>
-        </p:nvPicPr>
-        <p:blipFill>
-          <a:blip r:embed="rId2"/>
-          <a:stretch>
-            <a:fillRect/>
-          </a:stretch>
-        </p:blipFill>
-        <p:spPr>
-          <a:xfrm>
-            <a:off x="-1319214" y="-2477730"/>
-            <a:ext cx="14897295" cy="10854813"/>
-          </a:xfrm>
-          <a:prstGeom prst="rect">
-            <a:avLst/>
-          </a:prstGeom>
-        </p:spPr>
-      </p:pic>
-      <p:sp>
-        <p:nvSpPr>
-          <p:cNvPr id="4" name="TextBox 3"/>
-          <p:cNvSpPr txBox="1"/>
-          <p:nvPr/>
-        </p:nvSpPr>
-        <p:spPr>
-          <a:xfrm>
-            <a:off x="7030064" y="5043948"/>
-            <a:ext cx="5161936" cy="2308324"/>
-          </a:xfrm>
-          <a:prstGeom prst="rect">
-            <a:avLst/>
-          </a:prstGeom>
-          <a:noFill/>
-        </p:spPr>
-        <p:txBody>
-          <a:bodyPr wrap="square" rtlCol="0">
-            <a:spAutoFit/>
-          </a:bodyPr>
-          <a:lstStyle/>
-          <a:p>
-            <a:r>
-              <a:rPr lang="ko-KR" altLang="en-US" sz="7200" smtClean="0">
-                <a:solidFill>
-                  <a:srgbClr val="FF0000"/>
-                </a:solidFill>
-              </a:rPr>
-              <a:t>위에 예시 코드 복붙</a:t>
-            </a:r>
-            <a:endParaRPr lang="ko-KR" altLang="en-US" sz="7200">
-              <a:solidFill>
-                <a:srgbClr val="FF0000"/>
-              </a:solidFill>
-            </a:endParaRPr>
-          </a:p>
-        </p:txBody>
-      </p:sp>
-      <p:cxnSp>
-        <p:nvCxnSpPr>
-          <p:cNvPr id="5" name="직선 화살표 연결선 4"/>
-          <p:cNvCxnSpPr/>
-          <p:nvPr/>
-        </p:nvCxnSpPr>
-        <p:spPr>
-          <a:xfrm flipH="1">
-            <a:off x="10028903" y="1179871"/>
-            <a:ext cx="943897" cy="1651819"/>
-          </a:xfrm>
-          <a:prstGeom prst="straightConnector1">
-            <a:avLst/>
-          </a:prstGeom>
-          <a:ln w="38100">
-            <a:solidFill>
-              <a:srgbClr val="FF0000"/>
-            </a:solidFill>
-            <a:tailEnd type="triangle"/>
-          </a:ln>
-        </p:spPr>
-        <p:style>
-          <a:lnRef idx="1">
-            <a:schemeClr val="accent1"/>
-          </a:lnRef>
-          <a:fillRef idx="0">
-            <a:schemeClr val="accent1"/>
-          </a:fillRef>
-          <a:effectRef idx="0">
-            <a:schemeClr val="accent1"/>
-          </a:effectRef>
-          <a:fontRef idx="minor">
-            <a:schemeClr val="tx1"/>
-          </a:fontRef>
-        </p:style>
-      </p:cxnSp>
-      <p:sp>
-        <p:nvSpPr>
-          <p:cNvPr id="6" name="TextBox 5"/>
-          <p:cNvSpPr txBox="1"/>
-          <p:nvPr/>
-        </p:nvSpPr>
-        <p:spPr>
-          <a:xfrm>
-            <a:off x="9611032" y="533540"/>
-            <a:ext cx="3156155" cy="1200329"/>
-          </a:xfrm>
-          <a:prstGeom prst="rect">
-            <a:avLst/>
-          </a:prstGeom>
-          <a:noFill/>
-        </p:spPr>
-        <p:txBody>
-          <a:bodyPr wrap="square" rtlCol="0">
-            <a:spAutoFit/>
-          </a:bodyPr>
-          <a:lstStyle/>
-          <a:p>
-            <a:r>
-              <a:rPr lang="ko-KR" altLang="en-US" sz="3600" smtClean="0">
-                <a:solidFill>
-                  <a:srgbClr val="FF0000"/>
-                </a:solidFill>
-              </a:rPr>
-              <a:t>데이터베이스 이름</a:t>
-            </a:r>
-            <a:endParaRPr lang="ko-KR" altLang="en-US" sz="3600">
-              <a:solidFill>
-                <a:srgbClr val="FF0000"/>
-              </a:solidFill>
-            </a:endParaRPr>
-          </a:p>
-        </p:txBody>
-      </p:sp>
-    </p:spTree>
-    <p:extLst>
-      <p:ext uri="{BB962C8B-B14F-4D97-AF65-F5344CB8AC3E}">
-        <p14:creationId xmlns:p14="http://schemas.microsoft.com/office/powerpoint/2010/main" val="1613218948"/>
-      </p:ext>
-    </p:extLst>
-  </p:cSld>
-  <p:clrMapOvr>
-    <a:masterClrMapping/>
-  </p:clrMapOvr>
-</p:sld>
-</file>
-
-<file path=ppt/slides/slide26.xml><?xml version="1.0" encoding="utf-8"?>
+<file path=ppt/slides/slide20.xml><?xml version="1.0" encoding="utf-8"?>
 <p:sld xmlns:a="http://schemas.openxmlformats.org/drawingml/2006/main" xmlns:r="http://schemas.openxmlformats.org/officeDocument/2006/relationships" xmlns:p="http://schemas.openxmlformats.org/presentationml/2006/main">
   <p:cSld>
     <p:spTree>
@@ -5317,8 +4726,8 @@
         </p:blipFill>
         <p:spPr>
           <a:xfrm>
-            <a:off x="-2371264" y="580256"/>
-            <a:ext cx="16116761" cy="5407589"/>
+            <a:off x="3358696" y="0"/>
+            <a:ext cx="5277303" cy="6812336"/>
           </a:xfrm>
           <a:prstGeom prst="rect">
             <a:avLst/>
@@ -5327,14 +4736,14 @@
       </p:pic>
       <p:sp>
         <p:nvSpPr>
-          <p:cNvPr id="7" name="직사각형 6"/>
+          <p:cNvPr id="6" name="직사각형 5"/>
           <p:cNvSpPr/>
           <p:nvPr/>
         </p:nvSpPr>
         <p:spPr>
           <a:xfrm>
-            <a:off x="6076335" y="4371054"/>
-            <a:ext cx="7669162" cy="723900"/>
+            <a:off x="3228067" y="5886450"/>
+            <a:ext cx="1314450" cy="925886"/>
           </a:xfrm>
           <a:prstGeom prst="rect">
             <a:avLst/>
@@ -5374,107 +4783,7 @@
     </p:spTree>
     <p:extLst>
       <p:ext uri="{BB962C8B-B14F-4D97-AF65-F5344CB8AC3E}">
-        <p14:creationId xmlns:p14="http://schemas.microsoft.com/office/powerpoint/2010/main" val="2425227861"/>
-      </p:ext>
-    </p:extLst>
-  </p:cSld>
-  <p:clrMapOvr>
-    <a:masterClrMapping/>
-  </p:clrMapOvr>
-</p:sld>
-</file>
-
-<file path=ppt/slides/slide27.xml><?xml version="1.0" encoding="utf-8"?>
-<p:sld xmlns:a="http://schemas.openxmlformats.org/drawingml/2006/main" xmlns:r="http://schemas.openxmlformats.org/officeDocument/2006/relationships" xmlns:p="http://schemas.openxmlformats.org/presentationml/2006/main">
-  <p:cSld>
-    <p:spTree>
-      <p:nvGrpSpPr>
-        <p:cNvPr id="1" name=""/>
-        <p:cNvGrpSpPr/>
-        <p:nvPr/>
-      </p:nvGrpSpPr>
-      <p:grpSpPr>
-        <a:xfrm>
-          <a:off x="0" y="0"/>
-          <a:ext cx="0" cy="0"/>
-          <a:chOff x="0" y="0"/>
-          <a:chExt cx="0" cy="0"/>
-        </a:xfrm>
-      </p:grpSpPr>
-      <p:pic>
-        <p:nvPicPr>
-          <p:cNvPr id="3" name="그림 2"/>
-          <p:cNvPicPr>
-            <a:picLocks noChangeAspect="1"/>
-          </p:cNvPicPr>
-          <p:nvPr/>
-        </p:nvPicPr>
-        <p:blipFill>
-          <a:blip r:embed="rId2"/>
-          <a:stretch>
-            <a:fillRect/>
-          </a:stretch>
-        </p:blipFill>
-        <p:spPr>
-          <a:xfrm>
-            <a:off x="362691" y="-343361"/>
-            <a:ext cx="11427288" cy="7747052"/>
-          </a:xfrm>
-          <a:prstGeom prst="rect">
-            <a:avLst/>
-          </a:prstGeom>
-        </p:spPr>
-      </p:pic>
-      <p:sp>
-        <p:nvSpPr>
-          <p:cNvPr id="7" name="직사각형 6"/>
-          <p:cNvSpPr/>
-          <p:nvPr/>
-        </p:nvSpPr>
-        <p:spPr>
-          <a:xfrm>
-            <a:off x="1" y="6496050"/>
-            <a:ext cx="1681316" cy="723900"/>
-          </a:xfrm>
-          <a:prstGeom prst="rect">
-            <a:avLst/>
-          </a:prstGeom>
-          <a:noFill/>
-          <a:ln w="76200">
-            <a:solidFill>
-              <a:srgbClr val="FF0000"/>
-            </a:solidFill>
-          </a:ln>
-        </p:spPr>
-        <p:style>
-          <a:lnRef idx="2">
-            <a:schemeClr val="accent1">
-              <a:shade val="50000"/>
-            </a:schemeClr>
-          </a:lnRef>
-          <a:fillRef idx="1">
-            <a:schemeClr val="accent1"/>
-          </a:fillRef>
-          <a:effectRef idx="0">
-            <a:schemeClr val="accent1"/>
-          </a:effectRef>
-          <a:fontRef idx="minor">
-            <a:schemeClr val="lt1"/>
-          </a:fontRef>
-        </p:style>
-        <p:txBody>
-          <a:bodyPr rtlCol="0" anchor="ctr"/>
-          <a:lstStyle/>
-          <a:p>
-            <a:pPr algn="ctr"/>
-            <a:endParaRPr lang="ko-KR" altLang="en-US"/>
-          </a:p>
-        </p:txBody>
-      </p:sp>
-    </p:spTree>
-    <p:extLst>
-      <p:ext uri="{BB962C8B-B14F-4D97-AF65-F5344CB8AC3E}">
-        <p14:creationId xmlns:p14="http://schemas.microsoft.com/office/powerpoint/2010/main" val="4232662507"/>
+        <p14:creationId xmlns:p14="http://schemas.microsoft.com/office/powerpoint/2010/main" val="816316574"/>
       </p:ext>
     </p:extLst>
   </p:cSld>
@@ -5503,7 +4812,7 @@
       </p:grpSpPr>
       <p:pic>
         <p:nvPicPr>
-          <p:cNvPr id="3" name="그림 2"/>
+          <p:cNvPr id="6" name="그림 5"/>
           <p:cNvPicPr>
             <a:picLocks noChangeAspect="1"/>
           </p:cNvPicPr>
@@ -5517,8 +4826,8 @@
         </p:blipFill>
         <p:spPr>
           <a:xfrm>
-            <a:off x="1842408" y="198332"/>
-            <a:ext cx="8210550" cy="6659668"/>
+            <a:off x="1995487" y="440531"/>
+            <a:ext cx="7894163" cy="6100763"/>
           </a:xfrm>
           <a:prstGeom prst="rect">
             <a:avLst/>
@@ -5527,146 +4836,77 @@
       </p:pic>
       <p:sp>
         <p:nvSpPr>
-          <p:cNvPr id="5" name="직사각형 4"/>
-          <p:cNvSpPr/>
+          <p:cNvPr id="2" name="TextBox 1"/>
+          <p:cNvSpPr txBox="1"/>
           <p:nvPr/>
         </p:nvSpPr>
         <p:spPr>
           <a:xfrm>
-            <a:off x="2552700" y="2689966"/>
-            <a:ext cx="3105150" cy="796184"/>
+            <a:off x="3086100" y="4305300"/>
+            <a:ext cx="6400800" cy="954107"/>
           </a:xfrm>
           <a:prstGeom prst="rect">
             <a:avLst/>
           </a:prstGeom>
           <a:noFill/>
-          <a:ln w="76200">
-            <a:solidFill>
-              <a:srgbClr val="FF0000"/>
-            </a:solidFill>
-          </a:ln>
-        </p:spPr>
-        <p:style>
-          <a:lnRef idx="2">
-            <a:schemeClr val="accent1">
-              <a:shade val="50000"/>
-            </a:schemeClr>
-          </a:lnRef>
-          <a:fillRef idx="1">
-            <a:schemeClr val="accent1"/>
-          </a:fillRef>
-          <a:effectRef idx="0">
-            <a:schemeClr val="accent1"/>
-          </a:effectRef>
-          <a:fontRef idx="minor">
-            <a:schemeClr val="lt1"/>
-          </a:fontRef>
-        </p:style>
-        <p:txBody>
-          <a:bodyPr rtlCol="0" anchor="ctr"/>
-          <a:lstStyle/>
-          <a:p>
-            <a:pPr algn="ctr"/>
-            <a:endParaRPr lang="ko-KR" altLang="en-US"/>
-          </a:p>
-        </p:txBody>
-      </p:sp>
-      <p:sp>
-        <p:nvSpPr>
-          <p:cNvPr id="7" name="직사각형 6"/>
-          <p:cNvSpPr/>
-          <p:nvPr/>
-        </p:nvSpPr>
-        <p:spPr>
-          <a:xfrm>
-            <a:off x="2552700" y="3699616"/>
-            <a:ext cx="3105150" cy="758084"/>
-          </a:xfrm>
-          <a:prstGeom prst="rect">
-            <a:avLst/>
-          </a:prstGeom>
-          <a:noFill/>
-          <a:ln w="76200">
-            <a:solidFill>
-              <a:srgbClr val="FF0000"/>
-            </a:solidFill>
-          </a:ln>
-        </p:spPr>
-        <p:style>
-          <a:lnRef idx="2">
-            <a:schemeClr val="accent1">
-              <a:shade val="50000"/>
-            </a:schemeClr>
-          </a:lnRef>
-          <a:fillRef idx="1">
-            <a:schemeClr val="accent1"/>
-          </a:fillRef>
-          <a:effectRef idx="0">
-            <a:schemeClr val="accent1"/>
-          </a:effectRef>
-          <a:fontRef idx="minor">
-            <a:schemeClr val="lt1"/>
-          </a:fontRef>
-        </p:style>
-        <p:txBody>
-          <a:bodyPr rtlCol="0" anchor="ctr"/>
-          <a:lstStyle/>
-          <a:p>
-            <a:pPr algn="ctr"/>
-            <a:endParaRPr lang="ko-KR" altLang="en-US"/>
-          </a:p>
-        </p:txBody>
-      </p:sp>
-      <p:sp>
-        <p:nvSpPr>
-          <p:cNvPr id="8" name="직사각형 7"/>
-          <p:cNvSpPr/>
-          <p:nvPr/>
-        </p:nvSpPr>
-        <p:spPr>
-          <a:xfrm>
-            <a:off x="5804354" y="3466862"/>
-            <a:ext cx="337458" cy="465508"/>
-          </a:xfrm>
-          <a:prstGeom prst="rect">
-            <a:avLst/>
-          </a:prstGeom>
-          <a:noFill/>
-          <a:ln w="76200">
-            <a:solidFill>
-              <a:srgbClr val="FF0000"/>
-            </a:solidFill>
-          </a:ln>
-        </p:spPr>
-        <p:style>
-          <a:lnRef idx="2">
-            <a:schemeClr val="accent1">
-              <a:shade val="50000"/>
-            </a:schemeClr>
-          </a:lnRef>
-          <a:fillRef idx="1">
-            <a:schemeClr val="accent1"/>
-          </a:fillRef>
-          <a:effectRef idx="0">
-            <a:schemeClr val="accent1"/>
-          </a:effectRef>
-          <a:fontRef idx="minor">
-            <a:schemeClr val="lt1"/>
-          </a:fontRef>
-        </p:style>
-        <p:txBody>
-          <a:bodyPr rtlCol="0" anchor="ctr"/>
-          <a:lstStyle/>
-          <a:p>
-            <a:pPr algn="ctr"/>
-            <a:endParaRPr lang="ko-KR" altLang="en-US"/>
+        </p:spPr>
+        <p:txBody>
+          <a:bodyPr wrap="square" rtlCol="0">
+            <a:spAutoFit/>
+          </a:bodyPr>
+          <a:lstStyle/>
+          <a:p>
+            <a:r>
+              <a:rPr lang="en-US" altLang="ko-KR" sz="2800" smtClean="0">
+                <a:solidFill>
+                  <a:srgbClr val="FF0000"/>
+                </a:solidFill>
+              </a:rPr>
+              <a:t>1234 </a:t>
+            </a:r>
+            <a:r>
+              <a:rPr lang="ko-KR" altLang="en-US" sz="2800" smtClean="0">
+                <a:solidFill>
+                  <a:srgbClr val="FF0000"/>
+                </a:solidFill>
+              </a:rPr>
+              <a:t>추천</a:t>
+            </a:r>
+            <a:endParaRPr lang="en-US" altLang="ko-KR" sz="2800" smtClean="0">
+              <a:solidFill>
+                <a:srgbClr val="FF0000"/>
+              </a:solidFill>
+            </a:endParaRPr>
+          </a:p>
+          <a:p>
+            <a:r>
+              <a:rPr lang="ko-KR" altLang="en-US" sz="2800" smtClean="0">
+                <a:solidFill>
+                  <a:srgbClr val="FF0000"/>
+                </a:solidFill>
+              </a:rPr>
+              <a:t>나중에 다시 바꿀 수 있습니다</a:t>
+            </a:r>
+            <a:r>
+              <a:rPr lang="en-US" altLang="ko-KR" sz="2800" smtClean="0">
+                <a:solidFill>
+                  <a:srgbClr val="FF0000"/>
+                </a:solidFill>
+              </a:rPr>
+              <a:t>.</a:t>
+            </a:r>
+            <a:endParaRPr lang="ko-KR" altLang="en-US" sz="2800">
+              <a:solidFill>
+                <a:srgbClr val="FF0000"/>
+              </a:solidFill>
+            </a:endParaRPr>
           </a:p>
         </p:txBody>
       </p:sp>
     </p:spTree>
     <p:extLst>
       <p:ext uri="{BB962C8B-B14F-4D97-AF65-F5344CB8AC3E}">
-        <p14:creationId xmlns:p14="http://schemas.microsoft.com/office/powerpoint/2010/main" val="3010337181"/>
+        <p14:creationId xmlns:p14="http://schemas.microsoft.com/office/powerpoint/2010/main" val="3856278753"/>
       </p:ext>
     </p:extLst>
   </p:cSld>
@@ -5695,7 +4935,7 @@
       </p:grpSpPr>
       <p:pic>
         <p:nvPicPr>
-          <p:cNvPr id="2" name="그림 1"/>
+          <p:cNvPr id="6" name="그림 5"/>
           <p:cNvPicPr>
             <a:picLocks noChangeAspect="1"/>
           </p:cNvPicPr>
@@ -5709,110 +4949,18 @@
         </p:blipFill>
         <p:spPr>
           <a:xfrm>
-            <a:off x="2353583" y="301998"/>
-            <a:ext cx="7188200" cy="6025403"/>
+            <a:off x="1995487" y="440531"/>
+            <a:ext cx="7894163" cy="6100763"/>
           </a:xfrm>
           <a:prstGeom prst="rect">
             <a:avLst/>
           </a:prstGeom>
         </p:spPr>
       </p:pic>
-      <p:sp>
-        <p:nvSpPr>
-          <p:cNvPr id="5" name="직사각형 4"/>
-          <p:cNvSpPr/>
-          <p:nvPr/>
-        </p:nvSpPr>
-        <p:spPr>
-          <a:xfrm>
-            <a:off x="2679700" y="3810001"/>
-            <a:ext cx="3035300" cy="679448"/>
-          </a:xfrm>
-          <a:prstGeom prst="rect">
-            <a:avLst/>
-          </a:prstGeom>
-          <a:noFill/>
-          <a:ln w="76200">
-            <a:solidFill>
-              <a:srgbClr val="FF0000"/>
-            </a:solidFill>
-          </a:ln>
-        </p:spPr>
-        <p:style>
-          <a:lnRef idx="2">
-            <a:schemeClr val="accent1">
-              <a:shade val="50000"/>
-            </a:schemeClr>
-          </a:lnRef>
-          <a:fillRef idx="1">
-            <a:schemeClr val="accent1"/>
-          </a:fillRef>
-          <a:effectRef idx="0">
-            <a:schemeClr val="accent1"/>
-          </a:effectRef>
-          <a:fontRef idx="minor">
-            <a:schemeClr val="lt1"/>
-          </a:fontRef>
-        </p:style>
-        <p:txBody>
-          <a:bodyPr rtlCol="0" anchor="ctr"/>
-          <a:lstStyle/>
-          <a:p>
-            <a:pPr algn="ctr"/>
-            <a:endParaRPr lang="ko-KR" altLang="en-US"/>
-          </a:p>
-        </p:txBody>
-      </p:sp>
-      <p:sp>
-        <p:nvSpPr>
-          <p:cNvPr id="6" name="직사각형 5"/>
-          <p:cNvSpPr/>
-          <p:nvPr/>
-        </p:nvSpPr>
-        <p:spPr>
-          <a:xfrm>
-            <a:off x="5749812" y="3416300"/>
-            <a:ext cx="395741" cy="393701"/>
-          </a:xfrm>
-          <a:prstGeom prst="rect">
-            <a:avLst/>
-          </a:prstGeom>
-          <a:noFill/>
-          <a:ln w="76200">
-            <a:solidFill>
-              <a:srgbClr val="FF0000"/>
-            </a:solidFill>
-          </a:ln>
-        </p:spPr>
-        <p:style>
-          <a:lnRef idx="2">
-            <a:schemeClr val="accent1">
-              <a:shade val="50000"/>
-            </a:schemeClr>
-          </a:lnRef>
-          <a:fillRef idx="1">
-            <a:schemeClr val="accent1"/>
-          </a:fillRef>
-          <a:effectRef idx="0">
-            <a:schemeClr val="accent1"/>
-          </a:effectRef>
-          <a:fontRef idx="minor">
-            <a:schemeClr val="lt1"/>
-          </a:fontRef>
-        </p:style>
-        <p:txBody>
-          <a:bodyPr rtlCol="0" anchor="ctr"/>
-          <a:lstStyle/>
-          <a:p>
-            <a:pPr algn="ctr"/>
-            <a:endParaRPr lang="ko-KR" altLang="en-US"/>
-          </a:p>
-        </p:txBody>
-      </p:sp>
     </p:spTree>
     <p:extLst>
       <p:ext uri="{BB962C8B-B14F-4D97-AF65-F5344CB8AC3E}">
-        <p14:creationId xmlns:p14="http://schemas.microsoft.com/office/powerpoint/2010/main" val="1903257509"/>
+        <p14:creationId xmlns:p14="http://schemas.microsoft.com/office/powerpoint/2010/main" val="183306883"/>
       </p:ext>
     </p:extLst>
   </p:cSld>
@@ -5841,7 +4989,7 @@
       </p:grpSpPr>
       <p:pic>
         <p:nvPicPr>
-          <p:cNvPr id="4" name="그림 3"/>
+          <p:cNvPr id="6" name="그림 5"/>
           <p:cNvPicPr>
             <a:picLocks noChangeAspect="1"/>
           </p:cNvPicPr>
@@ -5855,156 +5003,18 @@
         </p:blipFill>
         <p:spPr>
           <a:xfrm>
-            <a:off x="2422525" y="65545"/>
-            <a:ext cx="6864350" cy="6701510"/>
+            <a:off x="1995487" y="440531"/>
+            <a:ext cx="7894163" cy="6100763"/>
           </a:xfrm>
           <a:prstGeom prst="rect">
             <a:avLst/>
           </a:prstGeom>
         </p:spPr>
       </p:pic>
-      <p:sp>
-        <p:nvSpPr>
-          <p:cNvPr id="5" name="직사각형 4"/>
-          <p:cNvSpPr/>
-          <p:nvPr/>
-        </p:nvSpPr>
-        <p:spPr>
-          <a:xfrm>
-            <a:off x="2659063" y="3276600"/>
-            <a:ext cx="2992437" cy="806448"/>
-          </a:xfrm>
-          <a:prstGeom prst="rect">
-            <a:avLst/>
-          </a:prstGeom>
-          <a:noFill/>
-          <a:ln w="76200">
-            <a:solidFill>
-              <a:srgbClr val="FF0000"/>
-            </a:solidFill>
-          </a:ln>
-        </p:spPr>
-        <p:style>
-          <a:lnRef idx="2">
-            <a:schemeClr val="accent1">
-              <a:shade val="50000"/>
-            </a:schemeClr>
-          </a:lnRef>
-          <a:fillRef idx="1">
-            <a:schemeClr val="accent1"/>
-          </a:fillRef>
-          <a:effectRef idx="0">
-            <a:schemeClr val="accent1"/>
-          </a:effectRef>
-          <a:fontRef idx="minor">
-            <a:schemeClr val="lt1"/>
-          </a:fontRef>
-        </p:style>
-        <p:txBody>
-          <a:bodyPr rtlCol="0" anchor="ctr"/>
-          <a:lstStyle/>
-          <a:p>
-            <a:pPr algn="ctr"/>
-            <a:endParaRPr lang="ko-KR" altLang="en-US"/>
-          </a:p>
-        </p:txBody>
-      </p:sp>
-      <p:sp>
-        <p:nvSpPr>
-          <p:cNvPr id="6" name="직사각형 5"/>
-          <p:cNvSpPr/>
-          <p:nvPr/>
-        </p:nvSpPr>
-        <p:spPr>
-          <a:xfrm>
-            <a:off x="5486400" y="2768600"/>
-            <a:ext cx="548141" cy="355600"/>
-          </a:xfrm>
-          <a:prstGeom prst="rect">
-            <a:avLst/>
-          </a:prstGeom>
-          <a:noFill/>
-          <a:ln w="76200">
-            <a:solidFill>
-              <a:srgbClr val="FF0000"/>
-            </a:solidFill>
-          </a:ln>
-        </p:spPr>
-        <p:style>
-          <a:lnRef idx="2">
-            <a:schemeClr val="accent1">
-              <a:shade val="50000"/>
-            </a:schemeClr>
-          </a:lnRef>
-          <a:fillRef idx="1">
-            <a:schemeClr val="accent1"/>
-          </a:fillRef>
-          <a:effectRef idx="0">
-            <a:schemeClr val="accent1"/>
-          </a:effectRef>
-          <a:fontRef idx="minor">
-            <a:schemeClr val="lt1"/>
-          </a:fontRef>
-        </p:style>
-        <p:txBody>
-          <a:bodyPr rtlCol="0" anchor="ctr"/>
-          <a:lstStyle/>
-          <a:p>
-            <a:pPr algn="ctr"/>
-            <a:endParaRPr lang="ko-KR" altLang="en-US"/>
-          </a:p>
-        </p:txBody>
-      </p:sp>
-      <p:sp>
-        <p:nvSpPr>
-          <p:cNvPr id="7" name="직사각형 6"/>
-          <p:cNvSpPr/>
-          <p:nvPr/>
-        </p:nvSpPr>
-        <p:spPr>
-          <a:xfrm>
-            <a:off x="6921500" y="6335255"/>
-            <a:ext cx="1219200" cy="431800"/>
-          </a:xfrm>
-          <a:prstGeom prst="rect">
-            <a:avLst/>
-          </a:prstGeom>
-          <a:noFill/>
-          <a:ln w="76200">
-            <a:solidFill>
-              <a:srgbClr val="FF0000"/>
-            </a:solidFill>
-          </a:ln>
-        </p:spPr>
-        <p:style>
-          <a:lnRef idx="2">
-            <a:schemeClr val="accent1">
-              <a:shade val="50000"/>
-            </a:schemeClr>
-          </a:lnRef>
-          <a:fillRef idx="1">
-            <a:schemeClr val="accent1"/>
-          </a:fillRef>
-          <a:effectRef idx="0">
-            <a:schemeClr val="accent1"/>
-          </a:effectRef>
-          <a:fontRef idx="minor">
-            <a:schemeClr val="lt1"/>
-          </a:fontRef>
-        </p:style>
-        <p:txBody>
-          <a:bodyPr rtlCol="0" anchor="ctr"/>
-          <a:lstStyle/>
-          <a:p>
-            <a:pPr algn="ctr"/>
-            <a:endParaRPr lang="ko-KR" altLang="en-US"/>
-          </a:p>
-        </p:txBody>
-      </p:sp>
     </p:spTree>
     <p:extLst>
       <p:ext uri="{BB962C8B-B14F-4D97-AF65-F5344CB8AC3E}">
-        <p14:creationId xmlns:p14="http://schemas.microsoft.com/office/powerpoint/2010/main" val="520029023"/>
+        <p14:creationId xmlns:p14="http://schemas.microsoft.com/office/powerpoint/2010/main" val="705051908"/>
       </p:ext>
     </p:extLst>
   </p:cSld>
@@ -6047,64 +5057,18 @@
         </p:blipFill>
         <p:spPr>
           <a:xfrm>
-            <a:off x="2438400" y="814387"/>
-            <a:ext cx="7315200" cy="5229225"/>
+            <a:off x="2081212" y="204787"/>
+            <a:ext cx="8285424" cy="6310313"/>
           </a:xfrm>
           <a:prstGeom prst="rect">
             <a:avLst/>
           </a:prstGeom>
         </p:spPr>
       </p:pic>
-      <p:sp>
-        <p:nvSpPr>
-          <p:cNvPr id="5" name="직사각형 4"/>
-          <p:cNvSpPr/>
-          <p:nvPr/>
-        </p:nvSpPr>
-        <p:spPr>
-          <a:xfrm>
-            <a:off x="7950200" y="5676900"/>
-            <a:ext cx="939800" cy="366712"/>
-          </a:xfrm>
-          <a:prstGeom prst="rect">
-            <a:avLst/>
-          </a:prstGeom>
-          <a:noFill/>
-          <a:ln w="76200">
-            <a:solidFill>
-              <a:srgbClr val="FF0000"/>
-            </a:solidFill>
-          </a:ln>
-        </p:spPr>
-        <p:style>
-          <a:lnRef idx="2">
-            <a:schemeClr val="accent1">
-              <a:shade val="50000"/>
-            </a:schemeClr>
-          </a:lnRef>
-          <a:fillRef idx="1">
-            <a:schemeClr val="accent1"/>
-          </a:fillRef>
-          <a:effectRef idx="0">
-            <a:schemeClr val="accent1"/>
-          </a:effectRef>
-          <a:fontRef idx="minor">
-            <a:schemeClr val="lt1"/>
-          </a:fontRef>
-        </p:style>
-        <p:txBody>
-          <a:bodyPr rtlCol="0" anchor="ctr"/>
-          <a:lstStyle/>
-          <a:p>
-            <a:pPr algn="ctr"/>
-            <a:endParaRPr lang="ko-KR" altLang="en-US"/>
-          </a:p>
-        </p:txBody>
-      </p:sp>
     </p:spTree>
     <p:extLst>
       <p:ext uri="{BB962C8B-B14F-4D97-AF65-F5344CB8AC3E}">
-        <p14:creationId xmlns:p14="http://schemas.microsoft.com/office/powerpoint/2010/main" val="3180149169"/>
+        <p14:creationId xmlns:p14="http://schemas.microsoft.com/office/powerpoint/2010/main" val="2691721700"/>
       </p:ext>
     </p:extLst>
   </p:cSld>
@@ -6133,22 +5097,44 @@
       </p:grpSpPr>
       <p:pic>
         <p:nvPicPr>
+          <p:cNvPr id="8" name="그림 7"/>
+          <p:cNvPicPr>
+            <a:picLocks noChangeAspect="1"/>
+          </p:cNvPicPr>
+          <p:nvPr/>
+        </p:nvPicPr>
+        <p:blipFill rotWithShape="1">
+          <a:blip r:embed="rId2"/>
+          <a:srcRect l="-1" r="43436"/>
+          <a:stretch/>
+        </p:blipFill>
+        <p:spPr>
+          <a:xfrm>
+            <a:off x="410306" y="5342343"/>
+            <a:ext cx="9855429" cy="1129672"/>
+          </a:xfrm>
+          <a:prstGeom prst="rect">
+            <a:avLst/>
+          </a:prstGeom>
+        </p:spPr>
+      </p:pic>
+      <p:pic>
+        <p:nvPicPr>
           <p:cNvPr id="3" name="그림 2"/>
           <p:cNvPicPr>
             <a:picLocks noChangeAspect="1"/>
           </p:cNvPicPr>
           <p:nvPr/>
         </p:nvPicPr>
-        <p:blipFill>
-          <a:blip r:embed="rId2"/>
-          <a:stretch>
-            <a:fillRect/>
-          </a:stretch>
+        <p:blipFill rotWithShape="1">
+          <a:blip r:embed="rId3"/>
+          <a:srcRect r="58486"/>
+          <a:stretch/>
         </p:blipFill>
         <p:spPr>
           <a:xfrm>
-            <a:off x="2419350" y="762000"/>
-            <a:ext cx="7353300" cy="5334000"/>
+            <a:off x="744040" y="186015"/>
+            <a:ext cx="9384323" cy="4268602"/>
           </a:xfrm>
           <a:prstGeom prst="rect">
             <a:avLst/>
@@ -6157,14 +5143,14 @@
       </p:pic>
       <p:sp>
         <p:nvSpPr>
-          <p:cNvPr id="5" name="직사각형 4"/>
+          <p:cNvPr id="4" name="직사각형 3"/>
           <p:cNvSpPr/>
           <p:nvPr/>
         </p:nvSpPr>
         <p:spPr>
           <a:xfrm>
-            <a:off x="7950200" y="5676900"/>
-            <a:ext cx="939800" cy="366712"/>
+            <a:off x="744040" y="186015"/>
+            <a:ext cx="9187962" cy="1696151"/>
           </a:xfrm>
           <a:prstGeom prst="rect">
             <a:avLst/>
@@ -6201,10 +5187,138 @@
           </a:p>
         </p:txBody>
       </p:sp>
+      <p:cxnSp>
+        <p:nvCxnSpPr>
+          <p:cNvPr id="5" name="직선 화살표 연결선 4"/>
+          <p:cNvCxnSpPr/>
+          <p:nvPr/>
+        </p:nvCxnSpPr>
+        <p:spPr>
+          <a:xfrm>
+            <a:off x="7753350" y="4038600"/>
+            <a:ext cx="457200" cy="1639279"/>
+          </a:xfrm>
+          <a:prstGeom prst="straightConnector1">
+            <a:avLst/>
+          </a:prstGeom>
+          <a:ln w="76200">
+            <a:solidFill>
+              <a:srgbClr val="FF0000"/>
+            </a:solidFill>
+            <a:tailEnd type="triangle"/>
+          </a:ln>
+        </p:spPr>
+        <p:style>
+          <a:lnRef idx="1">
+            <a:schemeClr val="accent1"/>
+          </a:lnRef>
+          <a:fillRef idx="0">
+            <a:schemeClr val="accent1"/>
+          </a:fillRef>
+          <a:effectRef idx="0">
+            <a:schemeClr val="accent1"/>
+          </a:effectRef>
+          <a:fontRef idx="minor">
+            <a:schemeClr val="tx1"/>
+          </a:fontRef>
+        </p:style>
+      </p:cxnSp>
+      <p:sp>
+        <p:nvSpPr>
+          <p:cNvPr id="6" name="직사각형 5"/>
+          <p:cNvSpPr/>
+          <p:nvPr/>
+        </p:nvSpPr>
+        <p:spPr>
+          <a:xfrm>
+            <a:off x="744040" y="3334728"/>
+            <a:ext cx="9187962" cy="890589"/>
+          </a:xfrm>
+          <a:prstGeom prst="rect">
+            <a:avLst/>
+          </a:prstGeom>
+          <a:noFill/>
+          <a:ln w="76200">
+            <a:solidFill>
+              <a:srgbClr val="FF0000"/>
+            </a:solidFill>
+          </a:ln>
+        </p:spPr>
+        <p:style>
+          <a:lnRef idx="2">
+            <a:schemeClr val="accent1">
+              <a:shade val="50000"/>
+            </a:schemeClr>
+          </a:lnRef>
+          <a:fillRef idx="1">
+            <a:schemeClr val="accent1"/>
+          </a:fillRef>
+          <a:effectRef idx="0">
+            <a:schemeClr val="accent1"/>
+          </a:effectRef>
+          <a:fontRef idx="minor">
+            <a:schemeClr val="lt1"/>
+          </a:fontRef>
+        </p:style>
+        <p:txBody>
+          <a:bodyPr rtlCol="0" anchor="ctr"/>
+          <a:lstStyle/>
+          <a:p>
+            <a:pPr algn="ctr"/>
+            <a:endParaRPr lang="ko-KR" altLang="en-US"/>
+          </a:p>
+        </p:txBody>
+      </p:sp>
+      <p:sp>
+        <p:nvSpPr>
+          <p:cNvPr id="12" name="TextBox 11"/>
+          <p:cNvSpPr txBox="1"/>
+          <p:nvPr/>
+        </p:nvSpPr>
+        <p:spPr>
+          <a:xfrm>
+            <a:off x="2744167" y="4368332"/>
+            <a:ext cx="3924300" cy="830997"/>
+          </a:xfrm>
+          <a:prstGeom prst="rect">
+            <a:avLst/>
+          </a:prstGeom>
+          <a:noFill/>
+        </p:spPr>
+        <p:txBody>
+          <a:bodyPr wrap="square" rtlCol="0">
+            <a:spAutoFit/>
+          </a:bodyPr>
+          <a:lstStyle/>
+          <a:p>
+            <a:r>
+              <a:rPr lang="ko-KR" altLang="en-US" sz="4800" smtClean="0">
+                <a:solidFill>
+                  <a:srgbClr val="FF0000"/>
+                </a:solidFill>
+              </a:rPr>
+              <a:t>필수 설치 </a:t>
+            </a:r>
+            <a:r>
+              <a:rPr lang="en-US" altLang="ko-KR" sz="4800" smtClean="0">
+                <a:solidFill>
+                  <a:srgbClr val="FF0000"/>
+                </a:solidFill>
+              </a:rPr>
+              <a:t>X</a:t>
+            </a:r>
+            <a:endParaRPr lang="ko-KR" altLang="en-US" sz="4800">
+              <a:solidFill>
+                <a:srgbClr val="FF0000"/>
+              </a:solidFill>
+            </a:endParaRPr>
+          </a:p>
+        </p:txBody>
+      </p:sp>
     </p:spTree>
     <p:extLst>
       <p:ext uri="{BB962C8B-B14F-4D97-AF65-F5344CB8AC3E}">
-        <p14:creationId xmlns:p14="http://schemas.microsoft.com/office/powerpoint/2010/main" val="1419720063"/>
+        <p14:creationId xmlns:p14="http://schemas.microsoft.com/office/powerpoint/2010/main" val="1305705966"/>
       </p:ext>
     </p:extLst>
   </p:cSld>
@@ -6247,24 +5361,60 @@
         </p:blipFill>
         <p:spPr>
           <a:xfrm>
-            <a:off x="2390775" y="681037"/>
-            <a:ext cx="7410450" cy="5495925"/>
+            <a:off x="1152525" y="366713"/>
+            <a:ext cx="7974358" cy="5995987"/>
           </a:xfrm>
           <a:prstGeom prst="rect">
             <a:avLst/>
           </a:prstGeom>
         </p:spPr>
       </p:pic>
-      <p:sp>
-        <p:nvSpPr>
-          <p:cNvPr id="5" name="직사각형 4"/>
+      <p:cxnSp>
+        <p:nvCxnSpPr>
+          <p:cNvPr id="5" name="직선 화살표 연결선 4"/>
+          <p:cNvCxnSpPr/>
+          <p:nvPr/>
+        </p:nvCxnSpPr>
+        <p:spPr>
+          <a:xfrm flipH="1" flipV="1">
+            <a:off x="7182817" y="1535905"/>
+            <a:ext cx="1123950" cy="1428749"/>
+          </a:xfrm>
+          <a:prstGeom prst="straightConnector1">
+            <a:avLst/>
+          </a:prstGeom>
+          <a:ln w="76200">
+            <a:solidFill>
+              <a:srgbClr val="FF0000"/>
+            </a:solidFill>
+            <a:tailEnd type="triangle"/>
+          </a:ln>
+        </p:spPr>
+        <p:style>
+          <a:lnRef idx="1">
+            <a:schemeClr val="accent1"/>
+          </a:lnRef>
+          <a:fillRef idx="0">
+            <a:schemeClr val="accent1"/>
+          </a:fillRef>
+          <a:effectRef idx="0">
+            <a:schemeClr val="accent1"/>
+          </a:effectRef>
+          <a:fontRef idx="minor">
+            <a:schemeClr val="tx1"/>
+          </a:fontRef>
+        </p:style>
+      </p:cxnSp>
+      <p:sp>
+        <p:nvSpPr>
+          <p:cNvPr id="6" name="직사각형 5"/>
           <p:cNvSpPr/>
           <p:nvPr/>
         </p:nvSpPr>
         <p:spPr>
           <a:xfrm>
-            <a:off x="7950200" y="5810250"/>
-            <a:ext cx="939800" cy="366712"/>
+            <a:off x="1365738" y="1090611"/>
+            <a:ext cx="7130562" cy="890589"/>
           </a:xfrm>
           <a:prstGeom prst="rect">
             <a:avLst/>
@@ -6301,10 +5451,56 @@
           </a:p>
         </p:txBody>
       </p:sp>
+      <p:sp>
+        <p:nvSpPr>
+          <p:cNvPr id="8" name="TextBox 7"/>
+          <p:cNvSpPr txBox="1"/>
+          <p:nvPr/>
+        </p:nvSpPr>
+        <p:spPr>
+          <a:xfrm>
+            <a:off x="4382467" y="4419600"/>
+            <a:ext cx="3924300" cy="830997"/>
+          </a:xfrm>
+          <a:prstGeom prst="rect">
+            <a:avLst/>
+          </a:prstGeom>
+          <a:noFill/>
+        </p:spPr>
+        <p:txBody>
+          <a:bodyPr wrap="square" rtlCol="0">
+            <a:spAutoFit/>
+          </a:bodyPr>
+          <a:lstStyle/>
+          <a:p>
+            <a:r>
+              <a:rPr lang="ko-KR" altLang="en-US" sz="4800" smtClean="0">
+                <a:solidFill>
+                  <a:srgbClr val="FF0000"/>
+                </a:solidFill>
+              </a:rPr>
+              <a:t>필수 설치 </a:t>
+            </a:r>
+            <a:r>
+              <a:rPr lang="en-US" altLang="ko-KR" sz="4800" smtClean="0">
+                <a:solidFill>
+                  <a:srgbClr val="FF0000"/>
+                </a:solidFill>
+              </a:rPr>
+              <a:t>X</a:t>
+            </a:r>
+            <a:endParaRPr lang="ko-KR" altLang="en-US" sz="4800">
+              <a:solidFill>
+                <a:srgbClr val="FF0000"/>
+              </a:solidFill>
+            </a:endParaRPr>
+          </a:p>
+        </p:txBody>
+      </p:sp>
     </p:spTree>
     <p:extLst>
       <p:ext uri="{BB962C8B-B14F-4D97-AF65-F5344CB8AC3E}">
-        <p14:creationId xmlns:p14="http://schemas.microsoft.com/office/powerpoint/2010/main" val="269405176"/>
+        <p14:creationId xmlns:p14="http://schemas.microsoft.com/office/powerpoint/2010/main" val="1096197501"/>
       </p:ext>
     </p:extLst>
   </p:cSld>
@@ -6333,7 +5529,7 @@
       </p:grpSpPr>
       <p:pic>
         <p:nvPicPr>
-          <p:cNvPr id="3" name="그림 2"/>
+          <p:cNvPr id="7" name="그림 6"/>
           <p:cNvPicPr>
             <a:picLocks noChangeAspect="1"/>
           </p:cNvPicPr>
@@ -6347,8 +5543,8 @@
         </p:blipFill>
         <p:spPr>
           <a:xfrm>
-            <a:off x="2395537" y="661987"/>
-            <a:ext cx="7400925" cy="5534025"/>
+            <a:off x="1019174" y="0"/>
+            <a:ext cx="9877425" cy="6688088"/>
           </a:xfrm>
           <a:prstGeom prst="rect">
             <a:avLst/>
@@ -6357,111 +5553,19 @@
       </p:pic>
       <p:sp>
         <p:nvSpPr>
-          <p:cNvPr id="5" name="직사각형 4"/>
-          <p:cNvSpPr/>
+          <p:cNvPr id="8" name="TextBox 7"/>
+          <p:cNvSpPr txBox="1"/>
           <p:nvPr/>
         </p:nvSpPr>
         <p:spPr>
           <a:xfrm>
-            <a:off x="7950200" y="5810250"/>
-            <a:ext cx="939800" cy="366712"/>
+            <a:off x="5957886" y="4267200"/>
+            <a:ext cx="3924300" cy="830997"/>
           </a:xfrm>
           <a:prstGeom prst="rect">
             <a:avLst/>
           </a:prstGeom>
           <a:noFill/>
-          <a:ln w="76200">
-            <a:solidFill>
-              <a:srgbClr val="FF0000"/>
-            </a:solidFill>
-          </a:ln>
-        </p:spPr>
-        <p:style>
-          <a:lnRef idx="2">
-            <a:schemeClr val="accent1">
-              <a:shade val="50000"/>
-            </a:schemeClr>
-          </a:lnRef>
-          <a:fillRef idx="1">
-            <a:schemeClr val="accent1"/>
-          </a:fillRef>
-          <a:effectRef idx="0">
-            <a:schemeClr val="accent1"/>
-          </a:effectRef>
-          <a:fontRef idx="minor">
-            <a:schemeClr val="lt1"/>
-          </a:fontRef>
-        </p:style>
-        <p:txBody>
-          <a:bodyPr rtlCol="0" anchor="ctr"/>
-          <a:lstStyle/>
-          <a:p>
-            <a:pPr algn="ctr"/>
-            <a:endParaRPr lang="ko-KR" altLang="en-US"/>
-          </a:p>
-        </p:txBody>
-      </p:sp>
-      <p:sp>
-        <p:nvSpPr>
-          <p:cNvPr id="6" name="직사각형 5"/>
-          <p:cNvSpPr/>
-          <p:nvPr/>
-        </p:nvSpPr>
-        <p:spPr>
-          <a:xfrm>
-            <a:off x="8051800" y="1924050"/>
-            <a:ext cx="939800" cy="366712"/>
-          </a:xfrm>
-          <a:prstGeom prst="rect">
-            <a:avLst/>
-          </a:prstGeom>
-          <a:noFill/>
-          <a:ln w="76200">
-            <a:solidFill>
-              <a:srgbClr val="FF0000"/>
-            </a:solidFill>
-          </a:ln>
-        </p:spPr>
-        <p:style>
-          <a:lnRef idx="2">
-            <a:schemeClr val="accent1">
-              <a:shade val="50000"/>
-            </a:schemeClr>
-          </a:lnRef>
-          <a:fillRef idx="1">
-            <a:schemeClr val="accent1"/>
-          </a:fillRef>
-          <a:effectRef idx="0">
-            <a:schemeClr val="accent1"/>
-          </a:effectRef>
-          <a:fontRef idx="minor">
-            <a:schemeClr val="lt1"/>
-          </a:fontRef>
-        </p:style>
-        <p:txBody>
-          <a:bodyPr rtlCol="0" anchor="ctr"/>
-          <a:lstStyle/>
-          <a:p>
-            <a:pPr algn="ctr"/>
-            <a:endParaRPr lang="ko-KR" altLang="en-US"/>
-          </a:p>
-        </p:txBody>
-      </p:sp>
-      <p:sp>
-        <p:nvSpPr>
-          <p:cNvPr id="4" name="TextBox 3"/>
-          <p:cNvSpPr txBox="1"/>
-          <p:nvPr/>
-        </p:nvSpPr>
-        <p:spPr>
-          <a:xfrm>
-            <a:off x="4813300" y="2578100"/>
-            <a:ext cx="4983162" cy="923330"/>
-          </a:xfrm>
-          <a:prstGeom prst="rect">
-            <a:avLst/>
-          </a:prstGeom>
-          <a:noFill/>
         </p:spPr>
         <p:txBody>
           <a:bodyPr wrap="square" rtlCol="0">
@@ -6470,79 +5574,33 @@
           <a:lstStyle/>
           <a:p>
             <a:r>
-              <a:rPr lang="ko-KR" altLang="en-US" smtClean="0">
+              <a:rPr lang="ko-KR" altLang="en-US" sz="4800" smtClean="0">
                 <a:solidFill>
                   <a:srgbClr val="FF0000"/>
                 </a:solidFill>
               </a:rPr>
-              <a:t>비번 </a:t>
-            </a:r>
-            <a:r>
-              <a:rPr lang="en-US" altLang="ko-KR" smtClean="0">
+              <a:t>필수 설치 </a:t>
+            </a:r>
+            <a:r>
+              <a:rPr lang="en-US" altLang="ko-KR" sz="4800" smtClean="0">
                 <a:solidFill>
                   <a:srgbClr val="FF0000"/>
                 </a:solidFill>
               </a:rPr>
-              <a:t>1234 </a:t>
-            </a:r>
-            <a:r>
-              <a:rPr lang="ko-KR" altLang="en-US" smtClean="0">
-                <a:solidFill>
-                  <a:srgbClr val="FF0000"/>
-                </a:solidFill>
-              </a:rPr>
-              <a:t>하려고 했는데</a:t>
-            </a:r>
-            <a:endParaRPr lang="en-US" altLang="ko-KR" smtClean="0">
+              <a:t>X</a:t>
+            </a:r>
+            <a:endParaRPr lang="ko-KR" altLang="en-US" sz="4800">
               <a:solidFill>
                 <a:srgbClr val="FF0000"/>
               </a:solidFill>
             </a:endParaRPr>
           </a:p>
-          <a:p>
-            <a:r>
-              <a:rPr lang="ko-KR" altLang="en-US" smtClean="0">
-                <a:solidFill>
-                  <a:srgbClr val="FF0000"/>
-                </a:solidFill>
-              </a:rPr>
-              <a:t>기존에 이미 깔려있어서 저는 개인적인 비번을</a:t>
-            </a:r>
-            <a:endParaRPr lang="en-US" altLang="ko-KR" smtClean="0">
-              <a:solidFill>
-                <a:srgbClr val="FF0000"/>
-              </a:solidFill>
-            </a:endParaRPr>
-          </a:p>
-          <a:p>
-            <a:r>
-              <a:rPr lang="ko-KR" altLang="en-US" smtClean="0">
-                <a:solidFill>
-                  <a:srgbClr val="FF0000"/>
-                </a:solidFill>
-              </a:rPr>
-              <a:t>사용하였습니다</a:t>
-            </a:r>
-            <a:r>
-              <a:rPr lang="en-US" altLang="ko-KR" smtClean="0">
-                <a:solidFill>
-                  <a:srgbClr val="FF0000"/>
-                </a:solidFill>
-              </a:rPr>
-              <a:t>.</a:t>
-            </a:r>
-            <a:endParaRPr lang="ko-KR" altLang="en-US">
-              <a:solidFill>
-                <a:srgbClr val="FF0000"/>
-              </a:solidFill>
-            </a:endParaRPr>
-          </a:p>
         </p:txBody>
       </p:sp>
     </p:spTree>
     <p:extLst>
       <p:ext uri="{BB962C8B-B14F-4D97-AF65-F5344CB8AC3E}">
-        <p14:creationId xmlns:p14="http://schemas.microsoft.com/office/powerpoint/2010/main" val="54882524"/>
+        <p14:creationId xmlns:p14="http://schemas.microsoft.com/office/powerpoint/2010/main" val="1522958244"/>
       </p:ext>
     </p:extLst>
   </p:cSld>
